--- a/Projeto-InfoSaude-Vacinador_e_ACS/002-Acompanhamento/RAP-Avaliacao_de_Qualidade/RAP-5_Avaliacao_de_Qualidade/RAP-Apresentacao_Resultados_Iteracao_V.pptx
+++ b/Projeto-InfoSaude-Vacinador_e_ACS/002-Acompanhamento/RAP-Avaliacao_de_Qualidade/RAP-5_Avaliacao_de_Qualidade/RAP-Apresentacao_Resultados_Iteracao_V.pptx
@@ -4,16 +4,16 @@
   <p:sldMasterIdLst>
     <p:sldMasterId id="2147483648" r:id="rId2"/>
     <p:sldMasterId id="2147483661" r:id="rId3"/>
-    <p:sldMasterId id="2147483674" r:id="rId4"/>
   </p:sldMasterIdLst>
   <p:sldIdLst>
-    <p:sldId id="256" r:id="rId5"/>
-    <p:sldId id="257" r:id="rId6"/>
-    <p:sldId id="258" r:id="rId7"/>
-    <p:sldId id="259" r:id="rId8"/>
-    <p:sldId id="260" r:id="rId9"/>
-    <p:sldId id="261" r:id="rId10"/>
-    <p:sldId id="262" r:id="rId11"/>
+    <p:sldId id="256" r:id="rId4"/>
+    <p:sldId id="257" r:id="rId5"/>
+    <p:sldId id="258" r:id="rId6"/>
+    <p:sldId id="259" r:id="rId7"/>
+    <p:sldId id="260" r:id="rId8"/>
+    <p:sldId id="261" r:id="rId9"/>
+    <p:sldId id="262" r:id="rId10"/>
+    <p:sldId id="263" r:id="rId11"/>
   </p:sldIdLst>
   <p:sldSz cx="8999537" cy="7019925"/>
   <p:notesSz cx="7559675" cy="10691812"/>
@@ -61,7 +61,7 @@
       </p:grpSpPr>
       <p:sp>
         <p:nvSpPr>
-          <p:cNvPr id="26" name="PlaceHolder 1"/>
+          <p:cNvPr id="25" name="PlaceHolder 1"/>
           <p:cNvSpPr>
             <a:spLocks noGrp="1"/>
           </p:cNvSpPr>
@@ -71,8 +71,8 @@
         </p:nvSpPr>
         <p:spPr>
           <a:xfrm>
-            <a:off x="450000" y="279360"/>
-            <a:ext cx="8098920" cy="1170720"/>
+            <a:off x="449640" y="280080"/>
+            <a:ext cx="8099280" cy="1171800"/>
           </a:xfrm>
           <a:prstGeom prst="rect">
             <a:avLst/>
@@ -88,7 +88,7 @@
       </p:sp>
       <p:sp>
         <p:nvSpPr>
-          <p:cNvPr id="27" name="PlaceHolder 2"/>
+          <p:cNvPr id="26" name="PlaceHolder 2"/>
           <p:cNvSpPr>
             <a:spLocks noGrp="1"/>
           </p:cNvSpPr>
@@ -98,8 +98,8 @@
         </p:nvSpPr>
         <p:spPr>
           <a:xfrm>
-            <a:off x="450000" y="1641960"/>
-            <a:ext cx="8098920" cy="1941480"/>
+            <a:off x="449640" y="1642680"/>
+            <a:ext cx="8099280" cy="1941840"/>
           </a:xfrm>
           <a:prstGeom prst="rect">
             <a:avLst/>
@@ -114,7 +114,7 @@
       </p:sp>
       <p:sp>
         <p:nvSpPr>
-          <p:cNvPr id="28" name="PlaceHolder 3"/>
+          <p:cNvPr id="27" name="PlaceHolder 3"/>
           <p:cNvSpPr>
             <a:spLocks noGrp="1"/>
           </p:cNvSpPr>
@@ -124,8 +124,8 @@
         </p:nvSpPr>
         <p:spPr>
           <a:xfrm>
-            <a:off x="450000" y="3768120"/>
-            <a:ext cx="8098920" cy="1941480"/>
+            <a:off x="449640" y="3769560"/>
+            <a:ext cx="8099280" cy="1941840"/>
           </a:xfrm>
           <a:prstGeom prst="rect">
             <a:avLst/>
@@ -162,7 +162,7 @@
       </p:grpSpPr>
       <p:sp>
         <p:nvSpPr>
-          <p:cNvPr id="29" name="PlaceHolder 1"/>
+          <p:cNvPr id="28" name="PlaceHolder 1"/>
           <p:cNvSpPr>
             <a:spLocks noGrp="1"/>
           </p:cNvSpPr>
@@ -172,8 +172,8 @@
         </p:nvSpPr>
         <p:spPr>
           <a:xfrm>
-            <a:off x="450000" y="279360"/>
-            <a:ext cx="8098920" cy="1170720"/>
+            <a:off x="449640" y="280080"/>
+            <a:ext cx="8099280" cy="1171800"/>
           </a:xfrm>
           <a:prstGeom prst="rect">
             <a:avLst/>
@@ -189,7 +189,7 @@
       </p:sp>
       <p:sp>
         <p:nvSpPr>
-          <p:cNvPr id="30" name="PlaceHolder 2"/>
+          <p:cNvPr id="29" name="PlaceHolder 2"/>
           <p:cNvSpPr>
             <a:spLocks noGrp="1"/>
           </p:cNvSpPr>
@@ -199,8 +199,8 @@
         </p:nvSpPr>
         <p:spPr>
           <a:xfrm>
-            <a:off x="450000" y="1641960"/>
-            <a:ext cx="3952080" cy="1941480"/>
+            <a:off x="449640" y="1642680"/>
+            <a:ext cx="3952440" cy="1941840"/>
           </a:xfrm>
           <a:prstGeom prst="rect">
             <a:avLst/>
@@ -215,7 +215,7 @@
       </p:sp>
       <p:sp>
         <p:nvSpPr>
-          <p:cNvPr id="31" name="PlaceHolder 3"/>
+          <p:cNvPr id="30" name="PlaceHolder 3"/>
           <p:cNvSpPr>
             <a:spLocks noGrp="1"/>
           </p:cNvSpPr>
@@ -225,8 +225,8 @@
         </p:nvSpPr>
         <p:spPr>
           <a:xfrm>
-            <a:off x="4600080" y="1641960"/>
-            <a:ext cx="3952080" cy="1941480"/>
+            <a:off x="4600080" y="1642680"/>
+            <a:ext cx="3952440" cy="1941840"/>
           </a:xfrm>
           <a:prstGeom prst="rect">
             <a:avLst/>
@@ -241,7 +241,7 @@
       </p:sp>
       <p:sp>
         <p:nvSpPr>
-          <p:cNvPr id="32" name="PlaceHolder 4"/>
+          <p:cNvPr id="31" name="PlaceHolder 4"/>
           <p:cNvSpPr>
             <a:spLocks noGrp="1"/>
           </p:cNvSpPr>
@@ -251,8 +251,8 @@
         </p:nvSpPr>
         <p:spPr>
           <a:xfrm>
-            <a:off x="4600080" y="3768120"/>
-            <a:ext cx="3952080" cy="1941480"/>
+            <a:off x="4600080" y="3769560"/>
+            <a:ext cx="3952440" cy="1941840"/>
           </a:xfrm>
           <a:prstGeom prst="rect">
             <a:avLst/>
@@ -267,7 +267,7 @@
       </p:sp>
       <p:sp>
         <p:nvSpPr>
-          <p:cNvPr id="33" name="PlaceHolder 5"/>
+          <p:cNvPr id="32" name="PlaceHolder 5"/>
           <p:cNvSpPr>
             <a:spLocks noGrp="1"/>
           </p:cNvSpPr>
@@ -277,8 +277,8 @@
         </p:nvSpPr>
         <p:spPr>
           <a:xfrm>
-            <a:off x="450000" y="3768120"/>
-            <a:ext cx="3952080" cy="1941480"/>
+            <a:off x="449640" y="3769560"/>
+            <a:ext cx="3952440" cy="1941840"/>
           </a:xfrm>
           <a:prstGeom prst="rect">
             <a:avLst/>
@@ -315,7 +315,7 @@
       </p:grpSpPr>
       <p:sp>
         <p:nvSpPr>
-          <p:cNvPr id="34" name="PlaceHolder 1"/>
+          <p:cNvPr id="33" name="PlaceHolder 1"/>
           <p:cNvSpPr>
             <a:spLocks noGrp="1"/>
           </p:cNvSpPr>
@@ -325,8 +325,8 @@
         </p:nvSpPr>
         <p:spPr>
           <a:xfrm>
-            <a:off x="450000" y="279360"/>
-            <a:ext cx="8098920" cy="1170720"/>
+            <a:off x="449640" y="280080"/>
+            <a:ext cx="8099280" cy="1171800"/>
           </a:xfrm>
           <a:prstGeom prst="rect">
             <a:avLst/>
@@ -342,7 +342,7 @@
       </p:sp>
       <p:sp>
         <p:nvSpPr>
-          <p:cNvPr id="35" name="PlaceHolder 2"/>
+          <p:cNvPr id="34" name="PlaceHolder 2"/>
           <p:cNvSpPr>
             <a:spLocks noGrp="1"/>
           </p:cNvSpPr>
@@ -352,8 +352,8 @@
         </p:nvSpPr>
         <p:spPr>
           <a:xfrm>
-            <a:off x="450000" y="1641960"/>
-            <a:ext cx="8098920" cy="4070520"/>
+            <a:off x="449640" y="1642680"/>
+            <a:ext cx="8099280" cy="4071240"/>
           </a:xfrm>
           <a:prstGeom prst="rect">
             <a:avLst/>
@@ -368,7 +368,7 @@
       </p:sp>
       <p:sp>
         <p:nvSpPr>
-          <p:cNvPr id="36" name="PlaceHolder 3"/>
+          <p:cNvPr id="35" name="PlaceHolder 3"/>
           <p:cNvSpPr>
             <a:spLocks noGrp="1"/>
           </p:cNvSpPr>
@@ -378,8 +378,8 @@
         </p:nvSpPr>
         <p:spPr>
           <a:xfrm>
-            <a:off x="450000" y="1641960"/>
-            <a:ext cx="8098920" cy="4070520"/>
+            <a:off x="449640" y="1642680"/>
+            <a:ext cx="8099280" cy="4071240"/>
           </a:xfrm>
           <a:prstGeom prst="rect">
             <a:avLst/>
@@ -392,6 +392,29 @@
           </a:p>
         </p:txBody>
       </p:sp>
+      <p:pic>
+        <p:nvPicPr>
+          <p:cNvPr id="36" name="" descr=""/>
+          <p:cNvPicPr/>
+          <p:nvPr/>
+        </p:nvPicPr>
+        <p:blipFill>
+          <a:blip r:embed="rId2"/>
+          <a:stretch/>
+        </p:blipFill>
+        <p:spPr>
+          <a:xfrm>
+            <a:off x="1947960" y="1642320"/>
+            <a:ext cx="5102640" cy="4071240"/>
+          </a:xfrm>
+          <a:prstGeom prst="rect">
+            <a:avLst/>
+          </a:prstGeom>
+          <a:ln>
+            <a:noFill/>
+          </a:ln>
+        </p:spPr>
+      </p:pic>
       <p:pic>
         <p:nvPicPr>
           <p:cNvPr id="37" name="" descr=""/>
@@ -399,36 +422,13 @@
           <p:nvPr/>
         </p:nvPicPr>
         <p:blipFill>
-          <a:blip r:embed="rId2"/>
-          <a:stretch/>
-        </p:blipFill>
-        <p:spPr>
-          <a:xfrm>
-            <a:off x="1948320" y="1641600"/>
-            <a:ext cx="5101560" cy="4070520"/>
-          </a:xfrm>
-          <a:prstGeom prst="rect">
-            <a:avLst/>
-          </a:prstGeom>
-          <a:ln>
-            <a:noFill/>
-          </a:ln>
-        </p:spPr>
-      </p:pic>
-      <p:pic>
-        <p:nvPicPr>
-          <p:cNvPr id="38" name="" descr=""/>
-          <p:cNvPicPr/>
-          <p:nvPr/>
-        </p:nvPicPr>
-        <p:blipFill>
           <a:blip r:embed="rId3"/>
           <a:stretch/>
         </p:blipFill>
         <p:spPr>
           <a:xfrm>
-            <a:off x="1948320" y="1641600"/>
-            <a:ext cx="5101560" cy="4070520"/>
+            <a:off x="1947960" y="1642320"/>
+            <a:ext cx="5102640" cy="4071240"/>
           </a:xfrm>
           <a:prstGeom prst="rect">
             <a:avLst/>
@@ -484,7 +484,7 @@
       </p:grpSpPr>
       <p:sp>
         <p:nvSpPr>
-          <p:cNvPr id="43" name="PlaceHolder 1"/>
+          <p:cNvPr id="42" name="PlaceHolder 1"/>
           <p:cNvSpPr>
             <a:spLocks noGrp="1"/>
           </p:cNvSpPr>
@@ -494,8 +494,8 @@
         </p:nvSpPr>
         <p:spPr>
           <a:xfrm>
-            <a:off x="450000" y="279360"/>
-            <a:ext cx="8098920" cy="1170720"/>
+            <a:off x="449640" y="280080"/>
+            <a:ext cx="8099280" cy="1171800"/>
           </a:xfrm>
           <a:prstGeom prst="rect">
             <a:avLst/>
@@ -511,7 +511,7 @@
       </p:sp>
       <p:sp>
         <p:nvSpPr>
-          <p:cNvPr id="44" name="PlaceHolder 2"/>
+          <p:cNvPr id="43" name="PlaceHolder 2"/>
           <p:cNvSpPr>
             <a:spLocks noGrp="1"/>
           </p:cNvSpPr>
@@ -521,8 +521,8 @@
         </p:nvSpPr>
         <p:spPr>
           <a:xfrm>
-            <a:off x="450000" y="1641960"/>
-            <a:ext cx="8098920" cy="4070520"/>
+            <a:off x="449640" y="1642680"/>
+            <a:ext cx="8099280" cy="4071240"/>
           </a:xfrm>
           <a:prstGeom prst="rect">
             <a:avLst/>
@@ -560,7 +560,7 @@
       </p:grpSpPr>
       <p:sp>
         <p:nvSpPr>
-          <p:cNvPr id="45" name="PlaceHolder 1"/>
+          <p:cNvPr id="44" name="PlaceHolder 1"/>
           <p:cNvSpPr>
             <a:spLocks noGrp="1"/>
           </p:cNvSpPr>
@@ -570,8 +570,8 @@
         </p:nvSpPr>
         <p:spPr>
           <a:xfrm>
-            <a:off x="450000" y="279360"/>
-            <a:ext cx="8098920" cy="1170720"/>
+            <a:off x="449640" y="280080"/>
+            <a:ext cx="8099280" cy="1171800"/>
           </a:xfrm>
           <a:prstGeom prst="rect">
             <a:avLst/>
@@ -587,7 +587,7 @@
       </p:sp>
       <p:sp>
         <p:nvSpPr>
-          <p:cNvPr id="46" name="PlaceHolder 2"/>
+          <p:cNvPr id="45" name="PlaceHolder 2"/>
           <p:cNvSpPr>
             <a:spLocks noGrp="1"/>
           </p:cNvSpPr>
@@ -597,8 +597,8 @@
         </p:nvSpPr>
         <p:spPr>
           <a:xfrm>
-            <a:off x="450000" y="1641960"/>
-            <a:ext cx="8098920" cy="4070520"/>
+            <a:off x="449640" y="1642680"/>
+            <a:ext cx="8099280" cy="4071240"/>
           </a:xfrm>
           <a:prstGeom prst="rect">
             <a:avLst/>
@@ -635,7 +635,7 @@
       </p:grpSpPr>
       <p:sp>
         <p:nvSpPr>
-          <p:cNvPr id="47" name="PlaceHolder 1"/>
+          <p:cNvPr id="46" name="PlaceHolder 1"/>
           <p:cNvSpPr>
             <a:spLocks noGrp="1"/>
           </p:cNvSpPr>
@@ -645,8 +645,8 @@
         </p:nvSpPr>
         <p:spPr>
           <a:xfrm>
-            <a:off x="450000" y="279360"/>
-            <a:ext cx="8098920" cy="1170720"/>
+            <a:off x="449640" y="280080"/>
+            <a:ext cx="8099280" cy="1171800"/>
           </a:xfrm>
           <a:prstGeom prst="rect">
             <a:avLst/>
@@ -662,7 +662,7 @@
       </p:sp>
       <p:sp>
         <p:nvSpPr>
-          <p:cNvPr id="48" name="PlaceHolder 2"/>
+          <p:cNvPr id="47" name="PlaceHolder 2"/>
           <p:cNvSpPr>
             <a:spLocks noGrp="1"/>
           </p:cNvSpPr>
@@ -672,8 +672,8 @@
         </p:nvSpPr>
         <p:spPr>
           <a:xfrm>
-            <a:off x="450000" y="1641960"/>
-            <a:ext cx="3952080" cy="4070520"/>
+            <a:off x="449640" y="1642680"/>
+            <a:ext cx="3952440" cy="4071240"/>
           </a:xfrm>
           <a:prstGeom prst="rect">
             <a:avLst/>
@@ -688,7 +688,7 @@
       </p:sp>
       <p:sp>
         <p:nvSpPr>
-          <p:cNvPr id="49" name="PlaceHolder 3"/>
+          <p:cNvPr id="48" name="PlaceHolder 3"/>
           <p:cNvSpPr>
             <a:spLocks noGrp="1"/>
           </p:cNvSpPr>
@@ -698,8 +698,8 @@
         </p:nvSpPr>
         <p:spPr>
           <a:xfrm>
-            <a:off x="4600080" y="1641960"/>
-            <a:ext cx="3952080" cy="4070520"/>
+            <a:off x="4600080" y="1642680"/>
+            <a:ext cx="3952440" cy="4071240"/>
           </a:xfrm>
           <a:prstGeom prst="rect">
             <a:avLst/>
@@ -736,7 +736,7 @@
       </p:grpSpPr>
       <p:sp>
         <p:nvSpPr>
-          <p:cNvPr id="50" name="PlaceHolder 1"/>
+          <p:cNvPr id="49" name="PlaceHolder 1"/>
           <p:cNvSpPr>
             <a:spLocks noGrp="1"/>
           </p:cNvSpPr>
@@ -746,8 +746,8 @@
         </p:nvSpPr>
         <p:spPr>
           <a:xfrm>
-            <a:off x="450000" y="279360"/>
-            <a:ext cx="8098920" cy="1170720"/>
+            <a:off x="449640" y="280080"/>
+            <a:ext cx="8099280" cy="1171800"/>
           </a:xfrm>
           <a:prstGeom prst="rect">
             <a:avLst/>
@@ -785,7 +785,7 @@
       </p:grpSpPr>
       <p:sp>
         <p:nvSpPr>
-          <p:cNvPr id="51" name="PlaceHolder 1"/>
+          <p:cNvPr id="50" name="PlaceHolder 1"/>
           <p:cNvSpPr>
             <a:spLocks noGrp="1"/>
           </p:cNvSpPr>
@@ -795,8 +795,8 @@
         </p:nvSpPr>
         <p:spPr>
           <a:xfrm>
-            <a:off x="450000" y="279360"/>
-            <a:ext cx="8098920" cy="5428080"/>
+            <a:off x="449640" y="280080"/>
+            <a:ext cx="8099280" cy="5433120"/>
           </a:xfrm>
           <a:prstGeom prst="rect">
             <a:avLst/>
@@ -834,7 +834,7 @@
       </p:grpSpPr>
       <p:sp>
         <p:nvSpPr>
-          <p:cNvPr id="52" name="PlaceHolder 1"/>
+          <p:cNvPr id="51" name="PlaceHolder 1"/>
           <p:cNvSpPr>
             <a:spLocks noGrp="1"/>
           </p:cNvSpPr>
@@ -844,8 +844,8 @@
         </p:nvSpPr>
         <p:spPr>
           <a:xfrm>
-            <a:off x="450000" y="279360"/>
-            <a:ext cx="8098920" cy="1170720"/>
+            <a:off x="449640" y="280080"/>
+            <a:ext cx="8099280" cy="1171800"/>
           </a:xfrm>
           <a:prstGeom prst="rect">
             <a:avLst/>
@@ -861,7 +861,7 @@
       </p:sp>
       <p:sp>
         <p:nvSpPr>
-          <p:cNvPr id="53" name="PlaceHolder 2"/>
+          <p:cNvPr id="52" name="PlaceHolder 2"/>
           <p:cNvSpPr>
             <a:spLocks noGrp="1"/>
           </p:cNvSpPr>
@@ -871,8 +871,8 @@
         </p:nvSpPr>
         <p:spPr>
           <a:xfrm>
-            <a:off x="450000" y="1641960"/>
-            <a:ext cx="3952080" cy="1941480"/>
+            <a:off x="449640" y="1642680"/>
+            <a:ext cx="3952440" cy="1941840"/>
           </a:xfrm>
           <a:prstGeom prst="rect">
             <a:avLst/>
@@ -887,7 +887,7 @@
       </p:sp>
       <p:sp>
         <p:nvSpPr>
-          <p:cNvPr id="54" name="PlaceHolder 3"/>
+          <p:cNvPr id="53" name="PlaceHolder 3"/>
           <p:cNvSpPr>
             <a:spLocks noGrp="1"/>
           </p:cNvSpPr>
@@ -897,8 +897,8 @@
         </p:nvSpPr>
         <p:spPr>
           <a:xfrm>
-            <a:off x="450000" y="3768120"/>
-            <a:ext cx="3952080" cy="1941480"/>
+            <a:off x="449640" y="3769560"/>
+            <a:ext cx="3952440" cy="1941840"/>
           </a:xfrm>
           <a:prstGeom prst="rect">
             <a:avLst/>
@@ -913,7 +913,7 @@
       </p:sp>
       <p:sp>
         <p:nvSpPr>
-          <p:cNvPr id="55" name="PlaceHolder 4"/>
+          <p:cNvPr id="54" name="PlaceHolder 4"/>
           <p:cNvSpPr>
             <a:spLocks noGrp="1"/>
           </p:cNvSpPr>
@@ -923,8 +923,8 @@
         </p:nvSpPr>
         <p:spPr>
           <a:xfrm>
-            <a:off x="4600080" y="1641960"/>
-            <a:ext cx="3952080" cy="4070520"/>
+            <a:off x="4600080" y="1642680"/>
+            <a:ext cx="3952440" cy="4071240"/>
           </a:xfrm>
           <a:prstGeom prst="rect">
             <a:avLst/>
@@ -961,7 +961,7 @@
       </p:grpSpPr>
       <p:sp>
         <p:nvSpPr>
-          <p:cNvPr id="5" name="PlaceHolder 1"/>
+          <p:cNvPr id="4" name="PlaceHolder 1"/>
           <p:cNvSpPr>
             <a:spLocks noGrp="1"/>
           </p:cNvSpPr>
@@ -971,8 +971,8 @@
         </p:nvSpPr>
         <p:spPr>
           <a:xfrm>
-            <a:off x="450000" y="279360"/>
-            <a:ext cx="8098920" cy="1170720"/>
+            <a:off x="449640" y="280080"/>
+            <a:ext cx="8099280" cy="1171800"/>
           </a:xfrm>
           <a:prstGeom prst="rect">
             <a:avLst/>
@@ -988,7 +988,7 @@
       </p:sp>
       <p:sp>
         <p:nvSpPr>
-          <p:cNvPr id="6" name="PlaceHolder 2"/>
+          <p:cNvPr id="5" name="PlaceHolder 2"/>
           <p:cNvSpPr>
             <a:spLocks noGrp="1"/>
           </p:cNvSpPr>
@@ -998,8 +998,8 @@
         </p:nvSpPr>
         <p:spPr>
           <a:xfrm>
-            <a:off x="450000" y="1641960"/>
-            <a:ext cx="8098920" cy="4070520"/>
+            <a:off x="449640" y="1642680"/>
+            <a:ext cx="8099280" cy="4071240"/>
           </a:xfrm>
           <a:prstGeom prst="rect">
             <a:avLst/>
@@ -1037,7 +1037,7 @@
       </p:grpSpPr>
       <p:sp>
         <p:nvSpPr>
-          <p:cNvPr id="56" name="PlaceHolder 1"/>
+          <p:cNvPr id="55" name="PlaceHolder 1"/>
           <p:cNvSpPr>
             <a:spLocks noGrp="1"/>
           </p:cNvSpPr>
@@ -1047,8 +1047,8 @@
         </p:nvSpPr>
         <p:spPr>
           <a:xfrm>
-            <a:off x="450000" y="279360"/>
-            <a:ext cx="8098920" cy="1170720"/>
+            <a:off x="449640" y="280080"/>
+            <a:ext cx="8099280" cy="1171800"/>
           </a:xfrm>
           <a:prstGeom prst="rect">
             <a:avLst/>
@@ -1064,7 +1064,7 @@
       </p:sp>
       <p:sp>
         <p:nvSpPr>
-          <p:cNvPr id="57" name="PlaceHolder 2"/>
+          <p:cNvPr id="56" name="PlaceHolder 2"/>
           <p:cNvSpPr>
             <a:spLocks noGrp="1"/>
           </p:cNvSpPr>
@@ -1074,8 +1074,8 @@
         </p:nvSpPr>
         <p:spPr>
           <a:xfrm>
-            <a:off x="450000" y="1641960"/>
-            <a:ext cx="3952080" cy="4070520"/>
+            <a:off x="449640" y="1642680"/>
+            <a:ext cx="3952440" cy="4071240"/>
           </a:xfrm>
           <a:prstGeom prst="rect">
             <a:avLst/>
@@ -1090,7 +1090,7 @@
       </p:sp>
       <p:sp>
         <p:nvSpPr>
-          <p:cNvPr id="58" name="PlaceHolder 3"/>
+          <p:cNvPr id="57" name="PlaceHolder 3"/>
           <p:cNvSpPr>
             <a:spLocks noGrp="1"/>
           </p:cNvSpPr>
@@ -1100,8 +1100,8 @@
         </p:nvSpPr>
         <p:spPr>
           <a:xfrm>
-            <a:off x="4600080" y="1641960"/>
-            <a:ext cx="3952080" cy="1941480"/>
+            <a:off x="4600080" y="1642680"/>
+            <a:ext cx="3952440" cy="1941840"/>
           </a:xfrm>
           <a:prstGeom prst="rect">
             <a:avLst/>
@@ -1116,7 +1116,7 @@
       </p:sp>
       <p:sp>
         <p:nvSpPr>
-          <p:cNvPr id="59" name="PlaceHolder 4"/>
+          <p:cNvPr id="58" name="PlaceHolder 4"/>
           <p:cNvSpPr>
             <a:spLocks noGrp="1"/>
           </p:cNvSpPr>
@@ -1126,8 +1126,8 @@
         </p:nvSpPr>
         <p:spPr>
           <a:xfrm>
-            <a:off x="4600080" y="3768120"/>
-            <a:ext cx="3952080" cy="1941480"/>
+            <a:off x="4600080" y="3769560"/>
+            <a:ext cx="3952440" cy="1941840"/>
           </a:xfrm>
           <a:prstGeom prst="rect">
             <a:avLst/>
@@ -1164,7 +1164,7 @@
       </p:grpSpPr>
       <p:sp>
         <p:nvSpPr>
-          <p:cNvPr id="60" name="PlaceHolder 1"/>
+          <p:cNvPr id="59" name="PlaceHolder 1"/>
           <p:cNvSpPr>
             <a:spLocks noGrp="1"/>
           </p:cNvSpPr>
@@ -1174,8 +1174,8 @@
         </p:nvSpPr>
         <p:spPr>
           <a:xfrm>
-            <a:off x="450000" y="279360"/>
-            <a:ext cx="8098920" cy="1170720"/>
+            <a:off x="449640" y="280080"/>
+            <a:ext cx="8099280" cy="1171800"/>
           </a:xfrm>
           <a:prstGeom prst="rect">
             <a:avLst/>
@@ -1191,7 +1191,7 @@
       </p:sp>
       <p:sp>
         <p:nvSpPr>
-          <p:cNvPr id="61" name="PlaceHolder 2"/>
+          <p:cNvPr id="60" name="PlaceHolder 2"/>
           <p:cNvSpPr>
             <a:spLocks noGrp="1"/>
           </p:cNvSpPr>
@@ -1201,8 +1201,8 @@
         </p:nvSpPr>
         <p:spPr>
           <a:xfrm>
-            <a:off x="450000" y="1641960"/>
-            <a:ext cx="3952080" cy="1941480"/>
+            <a:off x="449640" y="1642680"/>
+            <a:ext cx="3952440" cy="1941840"/>
           </a:xfrm>
           <a:prstGeom prst="rect">
             <a:avLst/>
@@ -1217,7 +1217,7 @@
       </p:sp>
       <p:sp>
         <p:nvSpPr>
-          <p:cNvPr id="62" name="PlaceHolder 3"/>
+          <p:cNvPr id="61" name="PlaceHolder 3"/>
           <p:cNvSpPr>
             <a:spLocks noGrp="1"/>
           </p:cNvSpPr>
@@ -1227,8 +1227,8 @@
         </p:nvSpPr>
         <p:spPr>
           <a:xfrm>
-            <a:off x="4600080" y="1641960"/>
-            <a:ext cx="3952080" cy="1941480"/>
+            <a:off x="4600080" y="1642680"/>
+            <a:ext cx="3952440" cy="1941840"/>
           </a:xfrm>
           <a:prstGeom prst="rect">
             <a:avLst/>
@@ -1243,7 +1243,7 @@
       </p:sp>
       <p:sp>
         <p:nvSpPr>
-          <p:cNvPr id="63" name="PlaceHolder 4"/>
+          <p:cNvPr id="62" name="PlaceHolder 4"/>
           <p:cNvSpPr>
             <a:spLocks noGrp="1"/>
           </p:cNvSpPr>
@@ -1253,8 +1253,8 @@
         </p:nvSpPr>
         <p:spPr>
           <a:xfrm>
-            <a:off x="450000" y="3768120"/>
-            <a:ext cx="8098920" cy="1941480"/>
+            <a:off x="449640" y="3769560"/>
+            <a:ext cx="8099280" cy="1941840"/>
           </a:xfrm>
           <a:prstGeom prst="rect">
             <a:avLst/>
@@ -1291,7 +1291,7 @@
       </p:grpSpPr>
       <p:sp>
         <p:nvSpPr>
-          <p:cNvPr id="64" name="PlaceHolder 1"/>
+          <p:cNvPr id="63" name="PlaceHolder 1"/>
           <p:cNvSpPr>
             <a:spLocks noGrp="1"/>
           </p:cNvSpPr>
@@ -1301,8 +1301,8 @@
         </p:nvSpPr>
         <p:spPr>
           <a:xfrm>
-            <a:off x="450000" y="279360"/>
-            <a:ext cx="8098920" cy="1170720"/>
+            <a:off x="449640" y="280080"/>
+            <a:ext cx="8099280" cy="1171800"/>
           </a:xfrm>
           <a:prstGeom prst="rect">
             <a:avLst/>
@@ -1318,7 +1318,7 @@
       </p:sp>
       <p:sp>
         <p:nvSpPr>
-          <p:cNvPr id="65" name="PlaceHolder 2"/>
+          <p:cNvPr id="64" name="PlaceHolder 2"/>
           <p:cNvSpPr>
             <a:spLocks noGrp="1"/>
           </p:cNvSpPr>
@@ -1328,8 +1328,8 @@
         </p:nvSpPr>
         <p:spPr>
           <a:xfrm>
-            <a:off x="450000" y="1641960"/>
-            <a:ext cx="8098920" cy="1941480"/>
+            <a:off x="449640" y="1642680"/>
+            <a:ext cx="8099280" cy="1941840"/>
           </a:xfrm>
           <a:prstGeom prst="rect">
             <a:avLst/>
@@ -1344,7 +1344,7 @@
       </p:sp>
       <p:sp>
         <p:nvSpPr>
-          <p:cNvPr id="66" name="PlaceHolder 3"/>
+          <p:cNvPr id="65" name="PlaceHolder 3"/>
           <p:cNvSpPr>
             <a:spLocks noGrp="1"/>
           </p:cNvSpPr>
@@ -1354,8 +1354,8 @@
         </p:nvSpPr>
         <p:spPr>
           <a:xfrm>
-            <a:off x="450000" y="3768120"/>
-            <a:ext cx="8098920" cy="1941480"/>
+            <a:off x="449640" y="3769560"/>
+            <a:ext cx="8099280" cy="1941840"/>
           </a:xfrm>
           <a:prstGeom prst="rect">
             <a:avLst/>
@@ -1392,7 +1392,7 @@
       </p:grpSpPr>
       <p:sp>
         <p:nvSpPr>
-          <p:cNvPr id="67" name="PlaceHolder 1"/>
+          <p:cNvPr id="66" name="PlaceHolder 1"/>
           <p:cNvSpPr>
             <a:spLocks noGrp="1"/>
           </p:cNvSpPr>
@@ -1402,8 +1402,8 @@
         </p:nvSpPr>
         <p:spPr>
           <a:xfrm>
-            <a:off x="450000" y="279360"/>
-            <a:ext cx="8098920" cy="1170720"/>
+            <a:off x="449640" y="280080"/>
+            <a:ext cx="8099280" cy="1171800"/>
           </a:xfrm>
           <a:prstGeom prst="rect">
             <a:avLst/>
@@ -1419,7 +1419,7 @@
       </p:sp>
       <p:sp>
         <p:nvSpPr>
-          <p:cNvPr id="68" name="PlaceHolder 2"/>
+          <p:cNvPr id="67" name="PlaceHolder 2"/>
           <p:cNvSpPr>
             <a:spLocks noGrp="1"/>
           </p:cNvSpPr>
@@ -1429,8 +1429,8 @@
         </p:nvSpPr>
         <p:spPr>
           <a:xfrm>
-            <a:off x="450000" y="1641960"/>
-            <a:ext cx="3952080" cy="1941480"/>
+            <a:off x="449640" y="1642680"/>
+            <a:ext cx="3952440" cy="1941840"/>
           </a:xfrm>
           <a:prstGeom prst="rect">
             <a:avLst/>
@@ -1445,7 +1445,7 @@
       </p:sp>
       <p:sp>
         <p:nvSpPr>
-          <p:cNvPr id="69" name="PlaceHolder 3"/>
+          <p:cNvPr id="68" name="PlaceHolder 3"/>
           <p:cNvSpPr>
             <a:spLocks noGrp="1"/>
           </p:cNvSpPr>
@@ -1455,8 +1455,8 @@
         </p:nvSpPr>
         <p:spPr>
           <a:xfrm>
-            <a:off x="4600080" y="1641960"/>
-            <a:ext cx="3952080" cy="1941480"/>
+            <a:off x="4600080" y="1642680"/>
+            <a:ext cx="3952440" cy="1941840"/>
           </a:xfrm>
           <a:prstGeom prst="rect">
             <a:avLst/>
@@ -1471,7 +1471,7 @@
       </p:sp>
       <p:sp>
         <p:nvSpPr>
-          <p:cNvPr id="70" name="PlaceHolder 4"/>
+          <p:cNvPr id="69" name="PlaceHolder 4"/>
           <p:cNvSpPr>
             <a:spLocks noGrp="1"/>
           </p:cNvSpPr>
@@ -1481,8 +1481,8 @@
         </p:nvSpPr>
         <p:spPr>
           <a:xfrm>
-            <a:off x="4600080" y="3768120"/>
-            <a:ext cx="3952080" cy="1941480"/>
+            <a:off x="4600080" y="3769560"/>
+            <a:ext cx="3952440" cy="1941840"/>
           </a:xfrm>
           <a:prstGeom prst="rect">
             <a:avLst/>
@@ -1497,7 +1497,7 @@
       </p:sp>
       <p:sp>
         <p:nvSpPr>
-          <p:cNvPr id="71" name="PlaceHolder 5"/>
+          <p:cNvPr id="70" name="PlaceHolder 5"/>
           <p:cNvSpPr>
             <a:spLocks noGrp="1"/>
           </p:cNvSpPr>
@@ -1507,8 +1507,8 @@
         </p:nvSpPr>
         <p:spPr>
           <a:xfrm>
-            <a:off x="450000" y="3768120"/>
-            <a:ext cx="3952080" cy="1941480"/>
+            <a:off x="449640" y="3769560"/>
+            <a:ext cx="3952440" cy="1941840"/>
           </a:xfrm>
           <a:prstGeom prst="rect">
             <a:avLst/>
@@ -1545,7 +1545,7 @@
       </p:grpSpPr>
       <p:sp>
         <p:nvSpPr>
-          <p:cNvPr id="72" name="PlaceHolder 1"/>
+          <p:cNvPr id="71" name="PlaceHolder 1"/>
           <p:cNvSpPr>
             <a:spLocks noGrp="1"/>
           </p:cNvSpPr>
@@ -1555,8 +1555,8 @@
         </p:nvSpPr>
         <p:spPr>
           <a:xfrm>
-            <a:off x="450000" y="279360"/>
-            <a:ext cx="8098920" cy="1170720"/>
+            <a:off x="449640" y="280080"/>
+            <a:ext cx="8099280" cy="1171800"/>
           </a:xfrm>
           <a:prstGeom prst="rect">
             <a:avLst/>
@@ -1572,7 +1572,7 @@
       </p:sp>
       <p:sp>
         <p:nvSpPr>
-          <p:cNvPr id="73" name="PlaceHolder 2"/>
+          <p:cNvPr id="72" name="PlaceHolder 2"/>
           <p:cNvSpPr>
             <a:spLocks noGrp="1"/>
           </p:cNvSpPr>
@@ -1582,8 +1582,8 @@
         </p:nvSpPr>
         <p:spPr>
           <a:xfrm>
-            <a:off x="450000" y="1641960"/>
-            <a:ext cx="8098920" cy="4070520"/>
+            <a:off x="449640" y="1642680"/>
+            <a:ext cx="8099280" cy="4071240"/>
           </a:xfrm>
           <a:prstGeom prst="rect">
             <a:avLst/>
@@ -1598,7 +1598,7 @@
       </p:sp>
       <p:sp>
         <p:nvSpPr>
-          <p:cNvPr id="74" name="PlaceHolder 3"/>
+          <p:cNvPr id="73" name="PlaceHolder 3"/>
           <p:cNvSpPr>
             <a:spLocks noGrp="1"/>
           </p:cNvSpPr>
@@ -1608,8 +1608,8 @@
         </p:nvSpPr>
         <p:spPr>
           <a:xfrm>
-            <a:off x="450000" y="1641960"/>
-            <a:ext cx="8098920" cy="4070520"/>
+            <a:off x="449640" y="1642680"/>
+            <a:ext cx="8099280" cy="4071240"/>
           </a:xfrm>
           <a:prstGeom prst="rect">
             <a:avLst/>
@@ -1622,6 +1622,29 @@
           </a:p>
         </p:txBody>
       </p:sp>
+      <p:pic>
+        <p:nvPicPr>
+          <p:cNvPr id="74" name="" descr=""/>
+          <p:cNvPicPr/>
+          <p:nvPr/>
+        </p:nvPicPr>
+        <p:blipFill>
+          <a:blip r:embed="rId2"/>
+          <a:stretch/>
+        </p:blipFill>
+        <p:spPr>
+          <a:xfrm>
+            <a:off x="1947960" y="1642320"/>
+            <a:ext cx="5102640" cy="4071240"/>
+          </a:xfrm>
+          <a:prstGeom prst="rect">
+            <a:avLst/>
+          </a:prstGeom>
+          <a:ln>
+            <a:noFill/>
+          </a:ln>
+        </p:spPr>
+      </p:pic>
       <p:pic>
         <p:nvPicPr>
           <p:cNvPr id="75" name="" descr=""/>
@@ -1629,13 +1652,13 @@
           <p:nvPr/>
         </p:nvPicPr>
         <p:blipFill>
-          <a:blip r:embed="rId2"/>
+          <a:blip r:embed="rId3"/>
           <a:stretch/>
         </p:blipFill>
         <p:spPr>
           <a:xfrm>
-            <a:off x="1948320" y="1641600"/>
-            <a:ext cx="5101560" cy="4070520"/>
+            <a:off x="1947960" y="1642320"/>
+            <a:ext cx="5102640" cy="4071240"/>
           </a:xfrm>
           <a:prstGeom prst="rect">
             <a:avLst/>
@@ -1645,352 +1668,6 @@
           </a:ln>
         </p:spPr>
       </p:pic>
-      <p:pic>
-        <p:nvPicPr>
-          <p:cNvPr id="76" name="" descr=""/>
-          <p:cNvPicPr/>
-          <p:nvPr/>
-        </p:nvPicPr>
-        <p:blipFill>
-          <a:blip r:embed="rId3"/>
-          <a:stretch/>
-        </p:blipFill>
-        <p:spPr>
-          <a:xfrm>
-            <a:off x="1948320" y="1641600"/>
-            <a:ext cx="5101560" cy="4070520"/>
-          </a:xfrm>
-          <a:prstGeom prst="rect">
-            <a:avLst/>
-          </a:prstGeom>
-          <a:ln>
-            <a:noFill/>
-          </a:ln>
-        </p:spPr>
-      </p:pic>
-    </p:spTree>
-  </p:cSld>
-</p:sldLayout>
-</file>
-
-<file path=ppt/slideLayouts/slideLayout25.xml><?xml version="1.0" encoding="utf-8"?>
-<p:sldLayout xmlns:a="http://schemas.openxmlformats.org/drawingml/2006/main" xmlns:p="http://schemas.openxmlformats.org/presentationml/2006/main" xmlns:r="http://schemas.openxmlformats.org/officeDocument/2006/relationships" type="blank" preserve="1">
-  <p:cSld name="Blank Slide">
-    <p:spTree>
-      <p:nvGrpSpPr>
-        <p:cNvPr id="1" name=""/>
-        <p:cNvGrpSpPr/>
-        <p:nvPr/>
-      </p:nvGrpSpPr>
-      <p:grpSpPr>
-        <a:xfrm>
-          <a:off x="0" y="0"/>
-          <a:ext cx="0" cy="0"/>
-          <a:chOff x="0" y="0"/>
-          <a:chExt cx="0" cy="0"/>
-        </a:xfrm>
-      </p:grpSpPr>
-    </p:spTree>
-  </p:cSld>
-</p:sldLayout>
-</file>
-
-<file path=ppt/slideLayouts/slideLayout26.xml><?xml version="1.0" encoding="utf-8"?>
-<p:sldLayout xmlns:a="http://schemas.openxmlformats.org/drawingml/2006/main" xmlns:p="http://schemas.openxmlformats.org/presentationml/2006/main" xmlns:r="http://schemas.openxmlformats.org/officeDocument/2006/relationships" type="tx" preserve="1">
-  <p:cSld name="Title Slide">
-    <p:spTree>
-      <p:nvGrpSpPr>
-        <p:cNvPr id="1" name=""/>
-        <p:cNvGrpSpPr/>
-        <p:nvPr/>
-      </p:nvGrpSpPr>
-      <p:grpSpPr>
-        <a:xfrm>
-          <a:off x="0" y="0"/>
-          <a:ext cx="0" cy="0"/>
-          <a:chOff x="0" y="0"/>
-          <a:chExt cx="0" cy="0"/>
-        </a:xfrm>
-      </p:grpSpPr>
-      <p:sp>
-        <p:nvSpPr>
-          <p:cNvPr id="79" name="PlaceHolder 1"/>
-          <p:cNvSpPr>
-            <a:spLocks noGrp="1"/>
-          </p:cNvSpPr>
-          <p:nvPr>
-            <p:ph type="title"/>
-          </p:nvPr>
-        </p:nvSpPr>
-        <p:spPr>
-          <a:xfrm>
-            <a:off x="450000" y="279360"/>
-            <a:ext cx="8098920" cy="1170720"/>
-          </a:xfrm>
-          <a:prstGeom prst="rect">
-            <a:avLst/>
-          </a:prstGeom>
-        </p:spPr>
-        <p:txBody>
-          <a:bodyPr lIns="0" rIns="0" tIns="0" bIns="0" anchor="ctr"/>
-          <a:p>
-            <a:pPr algn="ctr"/>
-            <a:endParaRPr/>
-          </a:p>
-        </p:txBody>
-      </p:sp>
-      <p:sp>
-        <p:nvSpPr>
-          <p:cNvPr id="80" name="PlaceHolder 2"/>
-          <p:cNvSpPr>
-            <a:spLocks noGrp="1"/>
-          </p:cNvSpPr>
-          <p:nvPr>
-            <p:ph type="subTitle"/>
-          </p:nvPr>
-        </p:nvSpPr>
-        <p:spPr>
-          <a:xfrm>
-            <a:off x="450000" y="1641960"/>
-            <a:ext cx="8098920" cy="4070520"/>
-          </a:xfrm>
-          <a:prstGeom prst="rect">
-            <a:avLst/>
-          </a:prstGeom>
-        </p:spPr>
-        <p:txBody>
-          <a:bodyPr lIns="0" rIns="0" tIns="0" bIns="0" anchor="ctr"/>
-          <a:p>
-            <a:pPr algn="ctr"/>
-            <a:endParaRPr/>
-          </a:p>
-        </p:txBody>
-      </p:sp>
-    </p:spTree>
-  </p:cSld>
-</p:sldLayout>
-</file>
-
-<file path=ppt/slideLayouts/slideLayout27.xml><?xml version="1.0" encoding="utf-8"?>
-<p:sldLayout xmlns:a="http://schemas.openxmlformats.org/drawingml/2006/main" xmlns:p="http://schemas.openxmlformats.org/presentationml/2006/main" xmlns:r="http://schemas.openxmlformats.org/officeDocument/2006/relationships" type="obj" preserve="1">
-  <p:cSld name="Title, Content">
-    <p:spTree>
-      <p:nvGrpSpPr>
-        <p:cNvPr id="1" name=""/>
-        <p:cNvGrpSpPr/>
-        <p:nvPr/>
-      </p:nvGrpSpPr>
-      <p:grpSpPr>
-        <a:xfrm>
-          <a:off x="0" y="0"/>
-          <a:ext cx="0" cy="0"/>
-          <a:chOff x="0" y="0"/>
-          <a:chExt cx="0" cy="0"/>
-        </a:xfrm>
-      </p:grpSpPr>
-      <p:sp>
-        <p:nvSpPr>
-          <p:cNvPr id="81" name="PlaceHolder 1"/>
-          <p:cNvSpPr>
-            <a:spLocks noGrp="1"/>
-          </p:cNvSpPr>
-          <p:nvPr>
-            <p:ph type="title"/>
-          </p:nvPr>
-        </p:nvSpPr>
-        <p:spPr>
-          <a:xfrm>
-            <a:off x="450000" y="279360"/>
-            <a:ext cx="8098920" cy="1170720"/>
-          </a:xfrm>
-          <a:prstGeom prst="rect">
-            <a:avLst/>
-          </a:prstGeom>
-        </p:spPr>
-        <p:txBody>
-          <a:bodyPr lIns="0" rIns="0" tIns="0" bIns="0" anchor="ctr"/>
-          <a:p>
-            <a:pPr algn="ctr"/>
-            <a:endParaRPr/>
-          </a:p>
-        </p:txBody>
-      </p:sp>
-      <p:sp>
-        <p:nvSpPr>
-          <p:cNvPr id="82" name="PlaceHolder 2"/>
-          <p:cNvSpPr>
-            <a:spLocks noGrp="1"/>
-          </p:cNvSpPr>
-          <p:nvPr>
-            <p:ph type="body"/>
-          </p:nvPr>
-        </p:nvSpPr>
-        <p:spPr>
-          <a:xfrm>
-            <a:off x="450000" y="1641960"/>
-            <a:ext cx="8098920" cy="4070520"/>
-          </a:xfrm>
-          <a:prstGeom prst="rect">
-            <a:avLst/>
-          </a:prstGeom>
-        </p:spPr>
-        <p:txBody>
-          <a:bodyPr lIns="0" rIns="0" tIns="0" bIns="0"/>
-          <a:p>
-            <a:endParaRPr/>
-          </a:p>
-        </p:txBody>
-      </p:sp>
-    </p:spTree>
-  </p:cSld>
-</p:sldLayout>
-</file>
-
-<file path=ppt/slideLayouts/slideLayout28.xml><?xml version="1.0" encoding="utf-8"?>
-<p:sldLayout xmlns:a="http://schemas.openxmlformats.org/drawingml/2006/main" xmlns:p="http://schemas.openxmlformats.org/presentationml/2006/main" xmlns:r="http://schemas.openxmlformats.org/officeDocument/2006/relationships" type="twoObj" preserve="1">
-  <p:cSld name="Title, 2 Content">
-    <p:spTree>
-      <p:nvGrpSpPr>
-        <p:cNvPr id="1" name=""/>
-        <p:cNvGrpSpPr/>
-        <p:nvPr/>
-      </p:nvGrpSpPr>
-      <p:grpSpPr>
-        <a:xfrm>
-          <a:off x="0" y="0"/>
-          <a:ext cx="0" cy="0"/>
-          <a:chOff x="0" y="0"/>
-          <a:chExt cx="0" cy="0"/>
-        </a:xfrm>
-      </p:grpSpPr>
-      <p:sp>
-        <p:nvSpPr>
-          <p:cNvPr id="83" name="PlaceHolder 1"/>
-          <p:cNvSpPr>
-            <a:spLocks noGrp="1"/>
-          </p:cNvSpPr>
-          <p:nvPr>
-            <p:ph type="title"/>
-          </p:nvPr>
-        </p:nvSpPr>
-        <p:spPr>
-          <a:xfrm>
-            <a:off x="450000" y="279360"/>
-            <a:ext cx="8098920" cy="1170720"/>
-          </a:xfrm>
-          <a:prstGeom prst="rect">
-            <a:avLst/>
-          </a:prstGeom>
-        </p:spPr>
-        <p:txBody>
-          <a:bodyPr lIns="0" rIns="0" tIns="0" bIns="0" anchor="ctr"/>
-          <a:p>
-            <a:pPr algn="ctr"/>
-            <a:endParaRPr/>
-          </a:p>
-        </p:txBody>
-      </p:sp>
-      <p:sp>
-        <p:nvSpPr>
-          <p:cNvPr id="84" name="PlaceHolder 2"/>
-          <p:cNvSpPr>
-            <a:spLocks noGrp="1"/>
-          </p:cNvSpPr>
-          <p:nvPr>
-            <p:ph type="body"/>
-          </p:nvPr>
-        </p:nvSpPr>
-        <p:spPr>
-          <a:xfrm>
-            <a:off x="450000" y="1641960"/>
-            <a:ext cx="3952080" cy="4070520"/>
-          </a:xfrm>
-          <a:prstGeom prst="rect">
-            <a:avLst/>
-          </a:prstGeom>
-        </p:spPr>
-        <p:txBody>
-          <a:bodyPr lIns="0" rIns="0" tIns="0" bIns="0"/>
-          <a:p>
-            <a:endParaRPr/>
-          </a:p>
-        </p:txBody>
-      </p:sp>
-      <p:sp>
-        <p:nvSpPr>
-          <p:cNvPr id="85" name="PlaceHolder 3"/>
-          <p:cNvSpPr>
-            <a:spLocks noGrp="1"/>
-          </p:cNvSpPr>
-          <p:nvPr>
-            <p:ph type="body"/>
-          </p:nvPr>
-        </p:nvSpPr>
-        <p:spPr>
-          <a:xfrm>
-            <a:off x="4600080" y="1641960"/>
-            <a:ext cx="3952080" cy="4070520"/>
-          </a:xfrm>
-          <a:prstGeom prst="rect">
-            <a:avLst/>
-          </a:prstGeom>
-        </p:spPr>
-        <p:txBody>
-          <a:bodyPr lIns="0" rIns="0" tIns="0" bIns="0"/>
-          <a:p>
-            <a:endParaRPr/>
-          </a:p>
-        </p:txBody>
-      </p:sp>
-    </p:spTree>
-  </p:cSld>
-</p:sldLayout>
-</file>
-
-<file path=ppt/slideLayouts/slideLayout29.xml><?xml version="1.0" encoding="utf-8"?>
-<p:sldLayout xmlns:a="http://schemas.openxmlformats.org/drawingml/2006/main" xmlns:p="http://schemas.openxmlformats.org/presentationml/2006/main" xmlns:r="http://schemas.openxmlformats.org/officeDocument/2006/relationships" type="titleOnly" preserve="1">
-  <p:cSld name="Title Only">
-    <p:spTree>
-      <p:nvGrpSpPr>
-        <p:cNvPr id="1" name=""/>
-        <p:cNvGrpSpPr/>
-        <p:nvPr/>
-      </p:nvGrpSpPr>
-      <p:grpSpPr>
-        <a:xfrm>
-          <a:off x="0" y="0"/>
-          <a:ext cx="0" cy="0"/>
-          <a:chOff x="0" y="0"/>
-          <a:chExt cx="0" cy="0"/>
-        </a:xfrm>
-      </p:grpSpPr>
-      <p:sp>
-        <p:nvSpPr>
-          <p:cNvPr id="86" name="PlaceHolder 1"/>
-          <p:cNvSpPr>
-            <a:spLocks noGrp="1"/>
-          </p:cNvSpPr>
-          <p:nvPr>
-            <p:ph type="title"/>
-          </p:nvPr>
-        </p:nvSpPr>
-        <p:spPr>
-          <a:xfrm>
-            <a:off x="450000" y="279360"/>
-            <a:ext cx="8098920" cy="1170720"/>
-          </a:xfrm>
-          <a:prstGeom prst="rect">
-            <a:avLst/>
-          </a:prstGeom>
-        </p:spPr>
-        <p:txBody>
-          <a:bodyPr lIns="0" rIns="0" tIns="0" bIns="0" anchor="ctr"/>
-          <a:p>
-            <a:pPr algn="ctr"/>
-            <a:endParaRPr/>
-          </a:p>
-        </p:txBody>
-      </p:sp>
     </p:spTree>
   </p:cSld>
 </p:sldLayout>
@@ -2015,7 +1692,7 @@
       </p:grpSpPr>
       <p:sp>
         <p:nvSpPr>
-          <p:cNvPr id="7" name="PlaceHolder 1"/>
+          <p:cNvPr id="6" name="PlaceHolder 1"/>
           <p:cNvSpPr>
             <a:spLocks noGrp="1"/>
           </p:cNvSpPr>
@@ -2025,8 +1702,8 @@
         </p:nvSpPr>
         <p:spPr>
           <a:xfrm>
-            <a:off x="450000" y="279360"/>
-            <a:ext cx="8098920" cy="1170720"/>
+            <a:off x="449640" y="280080"/>
+            <a:ext cx="8099280" cy="1171800"/>
           </a:xfrm>
           <a:prstGeom prst="rect">
             <a:avLst/>
@@ -2042,7 +1719,7 @@
       </p:sp>
       <p:sp>
         <p:nvSpPr>
-          <p:cNvPr id="8" name="PlaceHolder 2"/>
+          <p:cNvPr id="7" name="PlaceHolder 2"/>
           <p:cNvSpPr>
             <a:spLocks noGrp="1"/>
           </p:cNvSpPr>
@@ -2052,8 +1729,8 @@
         </p:nvSpPr>
         <p:spPr>
           <a:xfrm>
-            <a:off x="450000" y="1641960"/>
-            <a:ext cx="8098920" cy="4070520"/>
+            <a:off x="449640" y="1642680"/>
+            <a:ext cx="8099280" cy="4071240"/>
           </a:xfrm>
           <a:prstGeom prst="rect">
             <a:avLst/>
@@ -2066,837 +1743,6 @@
           </a:p>
         </p:txBody>
       </p:sp>
-    </p:spTree>
-  </p:cSld>
-</p:sldLayout>
-</file>
-
-<file path=ppt/slideLayouts/slideLayout30.xml><?xml version="1.0" encoding="utf-8"?>
-<p:sldLayout xmlns:a="http://schemas.openxmlformats.org/drawingml/2006/main" xmlns:p="http://schemas.openxmlformats.org/presentationml/2006/main" xmlns:r="http://schemas.openxmlformats.org/officeDocument/2006/relationships" type="objOnly" preserve="1">
-  <p:cSld name="Centered Text">
-    <p:spTree>
-      <p:nvGrpSpPr>
-        <p:cNvPr id="1" name=""/>
-        <p:cNvGrpSpPr/>
-        <p:nvPr/>
-      </p:nvGrpSpPr>
-      <p:grpSpPr>
-        <a:xfrm>
-          <a:off x="0" y="0"/>
-          <a:ext cx="0" cy="0"/>
-          <a:chOff x="0" y="0"/>
-          <a:chExt cx="0" cy="0"/>
-        </a:xfrm>
-      </p:grpSpPr>
-      <p:sp>
-        <p:nvSpPr>
-          <p:cNvPr id="87" name="PlaceHolder 1"/>
-          <p:cNvSpPr>
-            <a:spLocks noGrp="1"/>
-          </p:cNvSpPr>
-          <p:nvPr>
-            <p:ph type="subTitle"/>
-          </p:nvPr>
-        </p:nvSpPr>
-        <p:spPr>
-          <a:xfrm>
-            <a:off x="450000" y="279360"/>
-            <a:ext cx="8098920" cy="5428080"/>
-          </a:xfrm>
-          <a:prstGeom prst="rect">
-            <a:avLst/>
-          </a:prstGeom>
-        </p:spPr>
-        <p:txBody>
-          <a:bodyPr lIns="0" rIns="0" tIns="0" bIns="0" anchor="ctr"/>
-          <a:p>
-            <a:pPr algn="ctr"/>
-            <a:endParaRPr/>
-          </a:p>
-        </p:txBody>
-      </p:sp>
-    </p:spTree>
-  </p:cSld>
-</p:sldLayout>
-</file>
-
-<file path=ppt/slideLayouts/slideLayout31.xml><?xml version="1.0" encoding="utf-8"?>
-<p:sldLayout xmlns:a="http://schemas.openxmlformats.org/drawingml/2006/main" xmlns:p="http://schemas.openxmlformats.org/presentationml/2006/main" xmlns:r="http://schemas.openxmlformats.org/officeDocument/2006/relationships" type="twoObjAndObj" preserve="1">
-  <p:cSld name="Title, 2 Content and Content">
-    <p:spTree>
-      <p:nvGrpSpPr>
-        <p:cNvPr id="1" name=""/>
-        <p:cNvGrpSpPr/>
-        <p:nvPr/>
-      </p:nvGrpSpPr>
-      <p:grpSpPr>
-        <a:xfrm>
-          <a:off x="0" y="0"/>
-          <a:ext cx="0" cy="0"/>
-          <a:chOff x="0" y="0"/>
-          <a:chExt cx="0" cy="0"/>
-        </a:xfrm>
-      </p:grpSpPr>
-      <p:sp>
-        <p:nvSpPr>
-          <p:cNvPr id="88" name="PlaceHolder 1"/>
-          <p:cNvSpPr>
-            <a:spLocks noGrp="1"/>
-          </p:cNvSpPr>
-          <p:nvPr>
-            <p:ph type="title"/>
-          </p:nvPr>
-        </p:nvSpPr>
-        <p:spPr>
-          <a:xfrm>
-            <a:off x="450000" y="279360"/>
-            <a:ext cx="8098920" cy="1170720"/>
-          </a:xfrm>
-          <a:prstGeom prst="rect">
-            <a:avLst/>
-          </a:prstGeom>
-        </p:spPr>
-        <p:txBody>
-          <a:bodyPr lIns="0" rIns="0" tIns="0" bIns="0" anchor="ctr"/>
-          <a:p>
-            <a:pPr algn="ctr"/>
-            <a:endParaRPr/>
-          </a:p>
-        </p:txBody>
-      </p:sp>
-      <p:sp>
-        <p:nvSpPr>
-          <p:cNvPr id="89" name="PlaceHolder 2"/>
-          <p:cNvSpPr>
-            <a:spLocks noGrp="1"/>
-          </p:cNvSpPr>
-          <p:nvPr>
-            <p:ph type="body"/>
-          </p:nvPr>
-        </p:nvSpPr>
-        <p:spPr>
-          <a:xfrm>
-            <a:off x="450000" y="1641960"/>
-            <a:ext cx="3952080" cy="1941480"/>
-          </a:xfrm>
-          <a:prstGeom prst="rect">
-            <a:avLst/>
-          </a:prstGeom>
-        </p:spPr>
-        <p:txBody>
-          <a:bodyPr lIns="0" rIns="0" tIns="0" bIns="0"/>
-          <a:p>
-            <a:endParaRPr/>
-          </a:p>
-        </p:txBody>
-      </p:sp>
-      <p:sp>
-        <p:nvSpPr>
-          <p:cNvPr id="90" name="PlaceHolder 3"/>
-          <p:cNvSpPr>
-            <a:spLocks noGrp="1"/>
-          </p:cNvSpPr>
-          <p:nvPr>
-            <p:ph type="body"/>
-          </p:nvPr>
-        </p:nvSpPr>
-        <p:spPr>
-          <a:xfrm>
-            <a:off x="450000" y="3768120"/>
-            <a:ext cx="3952080" cy="1941480"/>
-          </a:xfrm>
-          <a:prstGeom prst="rect">
-            <a:avLst/>
-          </a:prstGeom>
-        </p:spPr>
-        <p:txBody>
-          <a:bodyPr lIns="0" rIns="0" tIns="0" bIns="0"/>
-          <a:p>
-            <a:endParaRPr/>
-          </a:p>
-        </p:txBody>
-      </p:sp>
-      <p:sp>
-        <p:nvSpPr>
-          <p:cNvPr id="91" name="PlaceHolder 4"/>
-          <p:cNvSpPr>
-            <a:spLocks noGrp="1"/>
-          </p:cNvSpPr>
-          <p:nvPr>
-            <p:ph type="body"/>
-          </p:nvPr>
-        </p:nvSpPr>
-        <p:spPr>
-          <a:xfrm>
-            <a:off x="4600080" y="1641960"/>
-            <a:ext cx="3952080" cy="4070520"/>
-          </a:xfrm>
-          <a:prstGeom prst="rect">
-            <a:avLst/>
-          </a:prstGeom>
-        </p:spPr>
-        <p:txBody>
-          <a:bodyPr lIns="0" rIns="0" tIns="0" bIns="0"/>
-          <a:p>
-            <a:endParaRPr/>
-          </a:p>
-        </p:txBody>
-      </p:sp>
-    </p:spTree>
-  </p:cSld>
-</p:sldLayout>
-</file>
-
-<file path=ppt/slideLayouts/slideLayout32.xml><?xml version="1.0" encoding="utf-8"?>
-<p:sldLayout xmlns:a="http://schemas.openxmlformats.org/drawingml/2006/main" xmlns:p="http://schemas.openxmlformats.org/presentationml/2006/main" xmlns:r="http://schemas.openxmlformats.org/officeDocument/2006/relationships" type="objAndTwoObj" preserve="1">
-  <p:cSld name="Title Content and 2 Content">
-    <p:spTree>
-      <p:nvGrpSpPr>
-        <p:cNvPr id="1" name=""/>
-        <p:cNvGrpSpPr/>
-        <p:nvPr/>
-      </p:nvGrpSpPr>
-      <p:grpSpPr>
-        <a:xfrm>
-          <a:off x="0" y="0"/>
-          <a:ext cx="0" cy="0"/>
-          <a:chOff x="0" y="0"/>
-          <a:chExt cx="0" cy="0"/>
-        </a:xfrm>
-      </p:grpSpPr>
-      <p:sp>
-        <p:nvSpPr>
-          <p:cNvPr id="92" name="PlaceHolder 1"/>
-          <p:cNvSpPr>
-            <a:spLocks noGrp="1"/>
-          </p:cNvSpPr>
-          <p:nvPr>
-            <p:ph type="title"/>
-          </p:nvPr>
-        </p:nvSpPr>
-        <p:spPr>
-          <a:xfrm>
-            <a:off x="450000" y="279360"/>
-            <a:ext cx="8098920" cy="1170720"/>
-          </a:xfrm>
-          <a:prstGeom prst="rect">
-            <a:avLst/>
-          </a:prstGeom>
-        </p:spPr>
-        <p:txBody>
-          <a:bodyPr lIns="0" rIns="0" tIns="0" bIns="0" anchor="ctr"/>
-          <a:p>
-            <a:pPr algn="ctr"/>
-            <a:endParaRPr/>
-          </a:p>
-        </p:txBody>
-      </p:sp>
-      <p:sp>
-        <p:nvSpPr>
-          <p:cNvPr id="93" name="PlaceHolder 2"/>
-          <p:cNvSpPr>
-            <a:spLocks noGrp="1"/>
-          </p:cNvSpPr>
-          <p:nvPr>
-            <p:ph type="body"/>
-          </p:nvPr>
-        </p:nvSpPr>
-        <p:spPr>
-          <a:xfrm>
-            <a:off x="450000" y="1641960"/>
-            <a:ext cx="3952080" cy="4070520"/>
-          </a:xfrm>
-          <a:prstGeom prst="rect">
-            <a:avLst/>
-          </a:prstGeom>
-        </p:spPr>
-        <p:txBody>
-          <a:bodyPr lIns="0" rIns="0" tIns="0" bIns="0"/>
-          <a:p>
-            <a:endParaRPr/>
-          </a:p>
-        </p:txBody>
-      </p:sp>
-      <p:sp>
-        <p:nvSpPr>
-          <p:cNvPr id="94" name="PlaceHolder 3"/>
-          <p:cNvSpPr>
-            <a:spLocks noGrp="1"/>
-          </p:cNvSpPr>
-          <p:nvPr>
-            <p:ph type="body"/>
-          </p:nvPr>
-        </p:nvSpPr>
-        <p:spPr>
-          <a:xfrm>
-            <a:off x="4600080" y="1641960"/>
-            <a:ext cx="3952080" cy="1941480"/>
-          </a:xfrm>
-          <a:prstGeom prst="rect">
-            <a:avLst/>
-          </a:prstGeom>
-        </p:spPr>
-        <p:txBody>
-          <a:bodyPr lIns="0" rIns="0" tIns="0" bIns="0"/>
-          <a:p>
-            <a:endParaRPr/>
-          </a:p>
-        </p:txBody>
-      </p:sp>
-      <p:sp>
-        <p:nvSpPr>
-          <p:cNvPr id="95" name="PlaceHolder 4"/>
-          <p:cNvSpPr>
-            <a:spLocks noGrp="1"/>
-          </p:cNvSpPr>
-          <p:nvPr>
-            <p:ph type="body"/>
-          </p:nvPr>
-        </p:nvSpPr>
-        <p:spPr>
-          <a:xfrm>
-            <a:off x="4600080" y="3768120"/>
-            <a:ext cx="3952080" cy="1941480"/>
-          </a:xfrm>
-          <a:prstGeom prst="rect">
-            <a:avLst/>
-          </a:prstGeom>
-        </p:spPr>
-        <p:txBody>
-          <a:bodyPr lIns="0" rIns="0" tIns="0" bIns="0"/>
-          <a:p>
-            <a:endParaRPr/>
-          </a:p>
-        </p:txBody>
-      </p:sp>
-    </p:spTree>
-  </p:cSld>
-</p:sldLayout>
-</file>
-
-<file path=ppt/slideLayouts/slideLayout33.xml><?xml version="1.0" encoding="utf-8"?>
-<p:sldLayout xmlns:a="http://schemas.openxmlformats.org/drawingml/2006/main" xmlns:p="http://schemas.openxmlformats.org/presentationml/2006/main" xmlns:r="http://schemas.openxmlformats.org/officeDocument/2006/relationships" type="twoObjOverTx" preserve="1">
-  <p:cSld name="Title, 2 Content over Content">
-    <p:spTree>
-      <p:nvGrpSpPr>
-        <p:cNvPr id="1" name=""/>
-        <p:cNvGrpSpPr/>
-        <p:nvPr/>
-      </p:nvGrpSpPr>
-      <p:grpSpPr>
-        <a:xfrm>
-          <a:off x="0" y="0"/>
-          <a:ext cx="0" cy="0"/>
-          <a:chOff x="0" y="0"/>
-          <a:chExt cx="0" cy="0"/>
-        </a:xfrm>
-      </p:grpSpPr>
-      <p:sp>
-        <p:nvSpPr>
-          <p:cNvPr id="96" name="PlaceHolder 1"/>
-          <p:cNvSpPr>
-            <a:spLocks noGrp="1"/>
-          </p:cNvSpPr>
-          <p:nvPr>
-            <p:ph type="title"/>
-          </p:nvPr>
-        </p:nvSpPr>
-        <p:spPr>
-          <a:xfrm>
-            <a:off x="450000" y="279360"/>
-            <a:ext cx="8098920" cy="1170720"/>
-          </a:xfrm>
-          <a:prstGeom prst="rect">
-            <a:avLst/>
-          </a:prstGeom>
-        </p:spPr>
-        <p:txBody>
-          <a:bodyPr lIns="0" rIns="0" tIns="0" bIns="0" anchor="ctr"/>
-          <a:p>
-            <a:pPr algn="ctr"/>
-            <a:endParaRPr/>
-          </a:p>
-        </p:txBody>
-      </p:sp>
-      <p:sp>
-        <p:nvSpPr>
-          <p:cNvPr id="97" name="PlaceHolder 2"/>
-          <p:cNvSpPr>
-            <a:spLocks noGrp="1"/>
-          </p:cNvSpPr>
-          <p:nvPr>
-            <p:ph type="body"/>
-          </p:nvPr>
-        </p:nvSpPr>
-        <p:spPr>
-          <a:xfrm>
-            <a:off x="450000" y="1641960"/>
-            <a:ext cx="3952080" cy="1941480"/>
-          </a:xfrm>
-          <a:prstGeom prst="rect">
-            <a:avLst/>
-          </a:prstGeom>
-        </p:spPr>
-        <p:txBody>
-          <a:bodyPr lIns="0" rIns="0" tIns="0" bIns="0"/>
-          <a:p>
-            <a:endParaRPr/>
-          </a:p>
-        </p:txBody>
-      </p:sp>
-      <p:sp>
-        <p:nvSpPr>
-          <p:cNvPr id="98" name="PlaceHolder 3"/>
-          <p:cNvSpPr>
-            <a:spLocks noGrp="1"/>
-          </p:cNvSpPr>
-          <p:nvPr>
-            <p:ph type="body"/>
-          </p:nvPr>
-        </p:nvSpPr>
-        <p:spPr>
-          <a:xfrm>
-            <a:off x="4600080" y="1641960"/>
-            <a:ext cx="3952080" cy="1941480"/>
-          </a:xfrm>
-          <a:prstGeom prst="rect">
-            <a:avLst/>
-          </a:prstGeom>
-        </p:spPr>
-        <p:txBody>
-          <a:bodyPr lIns="0" rIns="0" tIns="0" bIns="0"/>
-          <a:p>
-            <a:endParaRPr/>
-          </a:p>
-        </p:txBody>
-      </p:sp>
-      <p:sp>
-        <p:nvSpPr>
-          <p:cNvPr id="99" name="PlaceHolder 4"/>
-          <p:cNvSpPr>
-            <a:spLocks noGrp="1"/>
-          </p:cNvSpPr>
-          <p:nvPr>
-            <p:ph type="body"/>
-          </p:nvPr>
-        </p:nvSpPr>
-        <p:spPr>
-          <a:xfrm>
-            <a:off x="450000" y="3768120"/>
-            <a:ext cx="8098920" cy="1941480"/>
-          </a:xfrm>
-          <a:prstGeom prst="rect">
-            <a:avLst/>
-          </a:prstGeom>
-        </p:spPr>
-        <p:txBody>
-          <a:bodyPr lIns="0" rIns="0" tIns="0" bIns="0"/>
-          <a:p>
-            <a:endParaRPr/>
-          </a:p>
-        </p:txBody>
-      </p:sp>
-    </p:spTree>
-  </p:cSld>
-</p:sldLayout>
-</file>
-
-<file path=ppt/slideLayouts/slideLayout34.xml><?xml version="1.0" encoding="utf-8"?>
-<p:sldLayout xmlns:a="http://schemas.openxmlformats.org/drawingml/2006/main" xmlns:p="http://schemas.openxmlformats.org/presentationml/2006/main" xmlns:r="http://schemas.openxmlformats.org/officeDocument/2006/relationships" type="objOverTx" preserve="1">
-  <p:cSld name="Title, Content over Content">
-    <p:spTree>
-      <p:nvGrpSpPr>
-        <p:cNvPr id="1" name=""/>
-        <p:cNvGrpSpPr/>
-        <p:nvPr/>
-      </p:nvGrpSpPr>
-      <p:grpSpPr>
-        <a:xfrm>
-          <a:off x="0" y="0"/>
-          <a:ext cx="0" cy="0"/>
-          <a:chOff x="0" y="0"/>
-          <a:chExt cx="0" cy="0"/>
-        </a:xfrm>
-      </p:grpSpPr>
-      <p:sp>
-        <p:nvSpPr>
-          <p:cNvPr id="100" name="PlaceHolder 1"/>
-          <p:cNvSpPr>
-            <a:spLocks noGrp="1"/>
-          </p:cNvSpPr>
-          <p:nvPr>
-            <p:ph type="title"/>
-          </p:nvPr>
-        </p:nvSpPr>
-        <p:spPr>
-          <a:xfrm>
-            <a:off x="450000" y="279360"/>
-            <a:ext cx="8098920" cy="1170720"/>
-          </a:xfrm>
-          <a:prstGeom prst="rect">
-            <a:avLst/>
-          </a:prstGeom>
-        </p:spPr>
-        <p:txBody>
-          <a:bodyPr lIns="0" rIns="0" tIns="0" bIns="0" anchor="ctr"/>
-          <a:p>
-            <a:pPr algn="ctr"/>
-            <a:endParaRPr/>
-          </a:p>
-        </p:txBody>
-      </p:sp>
-      <p:sp>
-        <p:nvSpPr>
-          <p:cNvPr id="101" name="PlaceHolder 2"/>
-          <p:cNvSpPr>
-            <a:spLocks noGrp="1"/>
-          </p:cNvSpPr>
-          <p:nvPr>
-            <p:ph type="body"/>
-          </p:nvPr>
-        </p:nvSpPr>
-        <p:spPr>
-          <a:xfrm>
-            <a:off x="450000" y="1641960"/>
-            <a:ext cx="8098920" cy="1941480"/>
-          </a:xfrm>
-          <a:prstGeom prst="rect">
-            <a:avLst/>
-          </a:prstGeom>
-        </p:spPr>
-        <p:txBody>
-          <a:bodyPr lIns="0" rIns="0" tIns="0" bIns="0"/>
-          <a:p>
-            <a:endParaRPr/>
-          </a:p>
-        </p:txBody>
-      </p:sp>
-      <p:sp>
-        <p:nvSpPr>
-          <p:cNvPr id="102" name="PlaceHolder 3"/>
-          <p:cNvSpPr>
-            <a:spLocks noGrp="1"/>
-          </p:cNvSpPr>
-          <p:nvPr>
-            <p:ph type="body"/>
-          </p:nvPr>
-        </p:nvSpPr>
-        <p:spPr>
-          <a:xfrm>
-            <a:off x="450000" y="3768120"/>
-            <a:ext cx="8098920" cy="1941480"/>
-          </a:xfrm>
-          <a:prstGeom prst="rect">
-            <a:avLst/>
-          </a:prstGeom>
-        </p:spPr>
-        <p:txBody>
-          <a:bodyPr lIns="0" rIns="0" tIns="0" bIns="0"/>
-          <a:p>
-            <a:endParaRPr/>
-          </a:p>
-        </p:txBody>
-      </p:sp>
-    </p:spTree>
-  </p:cSld>
-</p:sldLayout>
-</file>
-
-<file path=ppt/slideLayouts/slideLayout35.xml><?xml version="1.0" encoding="utf-8"?>
-<p:sldLayout xmlns:a="http://schemas.openxmlformats.org/drawingml/2006/main" xmlns:p="http://schemas.openxmlformats.org/presentationml/2006/main" xmlns:r="http://schemas.openxmlformats.org/officeDocument/2006/relationships" type="fourObj" preserve="1">
-  <p:cSld name="Title, 4 Content">
-    <p:spTree>
-      <p:nvGrpSpPr>
-        <p:cNvPr id="1" name=""/>
-        <p:cNvGrpSpPr/>
-        <p:nvPr/>
-      </p:nvGrpSpPr>
-      <p:grpSpPr>
-        <a:xfrm>
-          <a:off x="0" y="0"/>
-          <a:ext cx="0" cy="0"/>
-          <a:chOff x="0" y="0"/>
-          <a:chExt cx="0" cy="0"/>
-        </a:xfrm>
-      </p:grpSpPr>
-      <p:sp>
-        <p:nvSpPr>
-          <p:cNvPr id="103" name="PlaceHolder 1"/>
-          <p:cNvSpPr>
-            <a:spLocks noGrp="1"/>
-          </p:cNvSpPr>
-          <p:nvPr>
-            <p:ph type="title"/>
-          </p:nvPr>
-        </p:nvSpPr>
-        <p:spPr>
-          <a:xfrm>
-            <a:off x="450000" y="279360"/>
-            <a:ext cx="8098920" cy="1170720"/>
-          </a:xfrm>
-          <a:prstGeom prst="rect">
-            <a:avLst/>
-          </a:prstGeom>
-        </p:spPr>
-        <p:txBody>
-          <a:bodyPr lIns="0" rIns="0" tIns="0" bIns="0" anchor="ctr"/>
-          <a:p>
-            <a:pPr algn="ctr"/>
-            <a:endParaRPr/>
-          </a:p>
-        </p:txBody>
-      </p:sp>
-      <p:sp>
-        <p:nvSpPr>
-          <p:cNvPr id="104" name="PlaceHolder 2"/>
-          <p:cNvSpPr>
-            <a:spLocks noGrp="1"/>
-          </p:cNvSpPr>
-          <p:nvPr>
-            <p:ph type="body"/>
-          </p:nvPr>
-        </p:nvSpPr>
-        <p:spPr>
-          <a:xfrm>
-            <a:off x="450000" y="1641960"/>
-            <a:ext cx="3952080" cy="1941480"/>
-          </a:xfrm>
-          <a:prstGeom prst="rect">
-            <a:avLst/>
-          </a:prstGeom>
-        </p:spPr>
-        <p:txBody>
-          <a:bodyPr lIns="0" rIns="0" tIns="0" bIns="0"/>
-          <a:p>
-            <a:endParaRPr/>
-          </a:p>
-        </p:txBody>
-      </p:sp>
-      <p:sp>
-        <p:nvSpPr>
-          <p:cNvPr id="105" name="PlaceHolder 3"/>
-          <p:cNvSpPr>
-            <a:spLocks noGrp="1"/>
-          </p:cNvSpPr>
-          <p:nvPr>
-            <p:ph type="body"/>
-          </p:nvPr>
-        </p:nvSpPr>
-        <p:spPr>
-          <a:xfrm>
-            <a:off x="4600080" y="1641960"/>
-            <a:ext cx="3952080" cy="1941480"/>
-          </a:xfrm>
-          <a:prstGeom prst="rect">
-            <a:avLst/>
-          </a:prstGeom>
-        </p:spPr>
-        <p:txBody>
-          <a:bodyPr lIns="0" rIns="0" tIns="0" bIns="0"/>
-          <a:p>
-            <a:endParaRPr/>
-          </a:p>
-        </p:txBody>
-      </p:sp>
-      <p:sp>
-        <p:nvSpPr>
-          <p:cNvPr id="106" name="PlaceHolder 4"/>
-          <p:cNvSpPr>
-            <a:spLocks noGrp="1"/>
-          </p:cNvSpPr>
-          <p:nvPr>
-            <p:ph type="body"/>
-          </p:nvPr>
-        </p:nvSpPr>
-        <p:spPr>
-          <a:xfrm>
-            <a:off x="4600080" y="3768120"/>
-            <a:ext cx="3952080" cy="1941480"/>
-          </a:xfrm>
-          <a:prstGeom prst="rect">
-            <a:avLst/>
-          </a:prstGeom>
-        </p:spPr>
-        <p:txBody>
-          <a:bodyPr lIns="0" rIns="0" tIns="0" bIns="0"/>
-          <a:p>
-            <a:endParaRPr/>
-          </a:p>
-        </p:txBody>
-      </p:sp>
-      <p:sp>
-        <p:nvSpPr>
-          <p:cNvPr id="107" name="PlaceHolder 5"/>
-          <p:cNvSpPr>
-            <a:spLocks noGrp="1"/>
-          </p:cNvSpPr>
-          <p:nvPr>
-            <p:ph type="body"/>
-          </p:nvPr>
-        </p:nvSpPr>
-        <p:spPr>
-          <a:xfrm>
-            <a:off x="450000" y="3768120"/>
-            <a:ext cx="3952080" cy="1941480"/>
-          </a:xfrm>
-          <a:prstGeom prst="rect">
-            <a:avLst/>
-          </a:prstGeom>
-        </p:spPr>
-        <p:txBody>
-          <a:bodyPr lIns="0" rIns="0" tIns="0" bIns="0"/>
-          <a:p>
-            <a:endParaRPr/>
-          </a:p>
-        </p:txBody>
-      </p:sp>
-    </p:spTree>
-  </p:cSld>
-</p:sldLayout>
-</file>
-
-<file path=ppt/slideLayouts/slideLayout36.xml><?xml version="1.0" encoding="utf-8"?>
-<p:sldLayout xmlns:a="http://schemas.openxmlformats.org/drawingml/2006/main" xmlns:p="http://schemas.openxmlformats.org/presentationml/2006/main" xmlns:r="http://schemas.openxmlformats.org/officeDocument/2006/relationships" type="blank" preserve="1">
-  <p:cSld name="Title, 6 Content">
-    <p:spTree>
-      <p:nvGrpSpPr>
-        <p:cNvPr id="1" name=""/>
-        <p:cNvGrpSpPr/>
-        <p:nvPr/>
-      </p:nvGrpSpPr>
-      <p:grpSpPr>
-        <a:xfrm>
-          <a:off x="0" y="0"/>
-          <a:ext cx="0" cy="0"/>
-          <a:chOff x="0" y="0"/>
-          <a:chExt cx="0" cy="0"/>
-        </a:xfrm>
-      </p:grpSpPr>
-      <p:sp>
-        <p:nvSpPr>
-          <p:cNvPr id="108" name="PlaceHolder 1"/>
-          <p:cNvSpPr>
-            <a:spLocks noGrp="1"/>
-          </p:cNvSpPr>
-          <p:nvPr>
-            <p:ph type="title"/>
-          </p:nvPr>
-        </p:nvSpPr>
-        <p:spPr>
-          <a:xfrm>
-            <a:off x="450000" y="279360"/>
-            <a:ext cx="8098920" cy="1170720"/>
-          </a:xfrm>
-          <a:prstGeom prst="rect">
-            <a:avLst/>
-          </a:prstGeom>
-        </p:spPr>
-        <p:txBody>
-          <a:bodyPr lIns="0" rIns="0" tIns="0" bIns="0" anchor="ctr"/>
-          <a:p>
-            <a:pPr algn="ctr"/>
-            <a:endParaRPr/>
-          </a:p>
-        </p:txBody>
-      </p:sp>
-      <p:sp>
-        <p:nvSpPr>
-          <p:cNvPr id="109" name="PlaceHolder 2"/>
-          <p:cNvSpPr>
-            <a:spLocks noGrp="1"/>
-          </p:cNvSpPr>
-          <p:nvPr>
-            <p:ph type="body"/>
-          </p:nvPr>
-        </p:nvSpPr>
-        <p:spPr>
-          <a:xfrm>
-            <a:off x="450000" y="1641960"/>
-            <a:ext cx="8098920" cy="4070520"/>
-          </a:xfrm>
-          <a:prstGeom prst="rect">
-            <a:avLst/>
-          </a:prstGeom>
-        </p:spPr>
-        <p:txBody>
-          <a:bodyPr lIns="0" rIns="0" tIns="0" bIns="0"/>
-          <a:p>
-            <a:endParaRPr/>
-          </a:p>
-        </p:txBody>
-      </p:sp>
-      <p:sp>
-        <p:nvSpPr>
-          <p:cNvPr id="110" name="PlaceHolder 3"/>
-          <p:cNvSpPr>
-            <a:spLocks noGrp="1"/>
-          </p:cNvSpPr>
-          <p:nvPr>
-            <p:ph type="body"/>
-          </p:nvPr>
-        </p:nvSpPr>
-        <p:spPr>
-          <a:xfrm>
-            <a:off x="450000" y="1641960"/>
-            <a:ext cx="8098920" cy="4070520"/>
-          </a:xfrm>
-          <a:prstGeom prst="rect">
-            <a:avLst/>
-          </a:prstGeom>
-        </p:spPr>
-        <p:txBody>
-          <a:bodyPr lIns="0" rIns="0" tIns="0" bIns="0"/>
-          <a:p>
-            <a:endParaRPr/>
-          </a:p>
-        </p:txBody>
-      </p:sp>
-      <p:pic>
-        <p:nvPicPr>
-          <p:cNvPr id="111" name="" descr=""/>
-          <p:cNvPicPr/>
-          <p:nvPr/>
-        </p:nvPicPr>
-        <p:blipFill>
-          <a:blip r:embed="rId2"/>
-          <a:stretch/>
-        </p:blipFill>
-        <p:spPr>
-          <a:xfrm>
-            <a:off x="1948320" y="1641600"/>
-            <a:ext cx="5101560" cy="4070520"/>
-          </a:xfrm>
-          <a:prstGeom prst="rect">
-            <a:avLst/>
-          </a:prstGeom>
-          <a:ln>
-            <a:noFill/>
-          </a:ln>
-        </p:spPr>
-      </p:pic>
-      <p:pic>
-        <p:nvPicPr>
-          <p:cNvPr id="112" name="" descr=""/>
-          <p:cNvPicPr/>
-          <p:nvPr/>
-        </p:nvPicPr>
-        <p:blipFill>
-          <a:blip r:embed="rId3"/>
-          <a:stretch/>
-        </p:blipFill>
-        <p:spPr>
-          <a:xfrm>
-            <a:off x="1948320" y="1641600"/>
-            <a:ext cx="5101560" cy="4070520"/>
-          </a:xfrm>
-          <a:prstGeom prst="rect">
-            <a:avLst/>
-          </a:prstGeom>
-          <a:ln>
-            <a:noFill/>
-          </a:ln>
-        </p:spPr>
-      </p:pic>
     </p:spTree>
   </p:cSld>
 </p:sldLayout>
@@ -2921,7 +1767,7 @@
       </p:grpSpPr>
       <p:sp>
         <p:nvSpPr>
-          <p:cNvPr id="9" name="PlaceHolder 1"/>
+          <p:cNvPr id="8" name="PlaceHolder 1"/>
           <p:cNvSpPr>
             <a:spLocks noGrp="1"/>
           </p:cNvSpPr>
@@ -2931,8 +1777,8 @@
         </p:nvSpPr>
         <p:spPr>
           <a:xfrm>
-            <a:off x="450000" y="279360"/>
-            <a:ext cx="8098920" cy="1170720"/>
+            <a:off x="449640" y="280080"/>
+            <a:ext cx="8099280" cy="1171800"/>
           </a:xfrm>
           <a:prstGeom prst="rect">
             <a:avLst/>
@@ -2948,7 +1794,7 @@
       </p:sp>
       <p:sp>
         <p:nvSpPr>
-          <p:cNvPr id="10" name="PlaceHolder 2"/>
+          <p:cNvPr id="9" name="PlaceHolder 2"/>
           <p:cNvSpPr>
             <a:spLocks noGrp="1"/>
           </p:cNvSpPr>
@@ -2958,8 +1804,8 @@
         </p:nvSpPr>
         <p:spPr>
           <a:xfrm>
-            <a:off x="450000" y="1641960"/>
-            <a:ext cx="3952080" cy="4070520"/>
+            <a:off x="449640" y="1642680"/>
+            <a:ext cx="3952440" cy="4071240"/>
           </a:xfrm>
           <a:prstGeom prst="rect">
             <a:avLst/>
@@ -2974,7 +1820,7 @@
       </p:sp>
       <p:sp>
         <p:nvSpPr>
-          <p:cNvPr id="11" name="PlaceHolder 3"/>
+          <p:cNvPr id="10" name="PlaceHolder 3"/>
           <p:cNvSpPr>
             <a:spLocks noGrp="1"/>
           </p:cNvSpPr>
@@ -2984,8 +1830,8 @@
         </p:nvSpPr>
         <p:spPr>
           <a:xfrm>
-            <a:off x="4600080" y="1641960"/>
-            <a:ext cx="3952080" cy="4070520"/>
+            <a:off x="4600080" y="1642680"/>
+            <a:ext cx="3952440" cy="4071240"/>
           </a:xfrm>
           <a:prstGeom prst="rect">
             <a:avLst/>
@@ -3022,7 +1868,7 @@
       </p:grpSpPr>
       <p:sp>
         <p:nvSpPr>
-          <p:cNvPr id="12" name="PlaceHolder 1"/>
+          <p:cNvPr id="11" name="PlaceHolder 1"/>
           <p:cNvSpPr>
             <a:spLocks noGrp="1"/>
           </p:cNvSpPr>
@@ -3032,8 +1878,8 @@
         </p:nvSpPr>
         <p:spPr>
           <a:xfrm>
-            <a:off x="450000" y="279360"/>
-            <a:ext cx="8098920" cy="1170720"/>
+            <a:off x="449640" y="280080"/>
+            <a:ext cx="8099280" cy="1171800"/>
           </a:xfrm>
           <a:prstGeom prst="rect">
             <a:avLst/>
@@ -3071,7 +1917,7 @@
       </p:grpSpPr>
       <p:sp>
         <p:nvSpPr>
-          <p:cNvPr id="13" name="PlaceHolder 1"/>
+          <p:cNvPr id="12" name="PlaceHolder 1"/>
           <p:cNvSpPr>
             <a:spLocks noGrp="1"/>
           </p:cNvSpPr>
@@ -3081,8 +1927,8 @@
         </p:nvSpPr>
         <p:spPr>
           <a:xfrm>
-            <a:off x="450000" y="279360"/>
-            <a:ext cx="8098920" cy="5428080"/>
+            <a:off x="449640" y="280080"/>
+            <a:ext cx="8099280" cy="5433120"/>
           </a:xfrm>
           <a:prstGeom prst="rect">
             <a:avLst/>
@@ -3120,7 +1966,7 @@
       </p:grpSpPr>
       <p:sp>
         <p:nvSpPr>
-          <p:cNvPr id="14" name="PlaceHolder 1"/>
+          <p:cNvPr id="13" name="PlaceHolder 1"/>
           <p:cNvSpPr>
             <a:spLocks noGrp="1"/>
           </p:cNvSpPr>
@@ -3130,8 +1976,8 @@
         </p:nvSpPr>
         <p:spPr>
           <a:xfrm>
-            <a:off x="450000" y="279360"/>
-            <a:ext cx="8098920" cy="1170720"/>
+            <a:off x="449640" y="280080"/>
+            <a:ext cx="8099280" cy="1171800"/>
           </a:xfrm>
           <a:prstGeom prst="rect">
             <a:avLst/>
@@ -3147,7 +1993,7 @@
       </p:sp>
       <p:sp>
         <p:nvSpPr>
-          <p:cNvPr id="15" name="PlaceHolder 2"/>
+          <p:cNvPr id="14" name="PlaceHolder 2"/>
           <p:cNvSpPr>
             <a:spLocks noGrp="1"/>
           </p:cNvSpPr>
@@ -3157,8 +2003,8 @@
         </p:nvSpPr>
         <p:spPr>
           <a:xfrm>
-            <a:off x="450000" y="1641960"/>
-            <a:ext cx="3952080" cy="1941480"/>
+            <a:off x="449640" y="1642680"/>
+            <a:ext cx="3952440" cy="1941840"/>
           </a:xfrm>
           <a:prstGeom prst="rect">
             <a:avLst/>
@@ -3173,7 +2019,7 @@
       </p:sp>
       <p:sp>
         <p:nvSpPr>
-          <p:cNvPr id="16" name="PlaceHolder 3"/>
+          <p:cNvPr id="15" name="PlaceHolder 3"/>
           <p:cNvSpPr>
             <a:spLocks noGrp="1"/>
           </p:cNvSpPr>
@@ -3183,8 +2029,8 @@
         </p:nvSpPr>
         <p:spPr>
           <a:xfrm>
-            <a:off x="450000" y="3768120"/>
-            <a:ext cx="3952080" cy="1941480"/>
+            <a:off x="449640" y="3769560"/>
+            <a:ext cx="3952440" cy="1941840"/>
           </a:xfrm>
           <a:prstGeom prst="rect">
             <a:avLst/>
@@ -3199,7 +2045,7 @@
       </p:sp>
       <p:sp>
         <p:nvSpPr>
-          <p:cNvPr id="17" name="PlaceHolder 4"/>
+          <p:cNvPr id="16" name="PlaceHolder 4"/>
           <p:cNvSpPr>
             <a:spLocks noGrp="1"/>
           </p:cNvSpPr>
@@ -3209,8 +2055,8 @@
         </p:nvSpPr>
         <p:spPr>
           <a:xfrm>
-            <a:off x="4600080" y="1641960"/>
-            <a:ext cx="3952080" cy="4070520"/>
+            <a:off x="4600080" y="1642680"/>
+            <a:ext cx="3952440" cy="4071240"/>
           </a:xfrm>
           <a:prstGeom prst="rect">
             <a:avLst/>
@@ -3247,7 +2093,7 @@
       </p:grpSpPr>
       <p:sp>
         <p:nvSpPr>
-          <p:cNvPr id="18" name="PlaceHolder 1"/>
+          <p:cNvPr id="17" name="PlaceHolder 1"/>
           <p:cNvSpPr>
             <a:spLocks noGrp="1"/>
           </p:cNvSpPr>
@@ -3257,8 +2103,8 @@
         </p:nvSpPr>
         <p:spPr>
           <a:xfrm>
-            <a:off x="450000" y="279360"/>
-            <a:ext cx="8098920" cy="1170720"/>
+            <a:off x="449640" y="280080"/>
+            <a:ext cx="8099280" cy="1171800"/>
           </a:xfrm>
           <a:prstGeom prst="rect">
             <a:avLst/>
@@ -3274,7 +2120,7 @@
       </p:sp>
       <p:sp>
         <p:nvSpPr>
-          <p:cNvPr id="19" name="PlaceHolder 2"/>
+          <p:cNvPr id="18" name="PlaceHolder 2"/>
           <p:cNvSpPr>
             <a:spLocks noGrp="1"/>
           </p:cNvSpPr>
@@ -3284,8 +2130,8 @@
         </p:nvSpPr>
         <p:spPr>
           <a:xfrm>
-            <a:off x="450000" y="1641960"/>
-            <a:ext cx="3952080" cy="4070520"/>
+            <a:off x="449640" y="1642680"/>
+            <a:ext cx="3952440" cy="4071240"/>
           </a:xfrm>
           <a:prstGeom prst="rect">
             <a:avLst/>
@@ -3300,7 +2146,7 @@
       </p:sp>
       <p:sp>
         <p:nvSpPr>
-          <p:cNvPr id="20" name="PlaceHolder 3"/>
+          <p:cNvPr id="19" name="PlaceHolder 3"/>
           <p:cNvSpPr>
             <a:spLocks noGrp="1"/>
           </p:cNvSpPr>
@@ -3310,8 +2156,8 @@
         </p:nvSpPr>
         <p:spPr>
           <a:xfrm>
-            <a:off x="4600080" y="1641960"/>
-            <a:ext cx="3952080" cy="1941480"/>
+            <a:off x="4600080" y="1642680"/>
+            <a:ext cx="3952440" cy="1941840"/>
           </a:xfrm>
           <a:prstGeom prst="rect">
             <a:avLst/>
@@ -3326,7 +2172,7 @@
       </p:sp>
       <p:sp>
         <p:nvSpPr>
-          <p:cNvPr id="21" name="PlaceHolder 4"/>
+          <p:cNvPr id="20" name="PlaceHolder 4"/>
           <p:cNvSpPr>
             <a:spLocks noGrp="1"/>
           </p:cNvSpPr>
@@ -3336,8 +2182,8 @@
         </p:nvSpPr>
         <p:spPr>
           <a:xfrm>
-            <a:off x="4600080" y="3768120"/>
-            <a:ext cx="3952080" cy="1941480"/>
+            <a:off x="4600080" y="3769560"/>
+            <a:ext cx="3952440" cy="1941840"/>
           </a:xfrm>
           <a:prstGeom prst="rect">
             <a:avLst/>
@@ -3374,7 +2220,7 @@
       </p:grpSpPr>
       <p:sp>
         <p:nvSpPr>
-          <p:cNvPr id="22" name="PlaceHolder 1"/>
+          <p:cNvPr id="21" name="PlaceHolder 1"/>
           <p:cNvSpPr>
             <a:spLocks noGrp="1"/>
           </p:cNvSpPr>
@@ -3384,8 +2230,8 @@
         </p:nvSpPr>
         <p:spPr>
           <a:xfrm>
-            <a:off x="450000" y="279360"/>
-            <a:ext cx="8098920" cy="1170720"/>
+            <a:off x="449640" y="280080"/>
+            <a:ext cx="8099280" cy="1171800"/>
           </a:xfrm>
           <a:prstGeom prst="rect">
             <a:avLst/>
@@ -3401,7 +2247,7 @@
       </p:sp>
       <p:sp>
         <p:nvSpPr>
-          <p:cNvPr id="23" name="PlaceHolder 2"/>
+          <p:cNvPr id="22" name="PlaceHolder 2"/>
           <p:cNvSpPr>
             <a:spLocks noGrp="1"/>
           </p:cNvSpPr>
@@ -3411,8 +2257,8 @@
         </p:nvSpPr>
         <p:spPr>
           <a:xfrm>
-            <a:off x="450000" y="1641960"/>
-            <a:ext cx="3952080" cy="1941480"/>
+            <a:off x="449640" y="1642680"/>
+            <a:ext cx="3952440" cy="1941840"/>
           </a:xfrm>
           <a:prstGeom prst="rect">
             <a:avLst/>
@@ -3427,7 +2273,7 @@
       </p:sp>
       <p:sp>
         <p:nvSpPr>
-          <p:cNvPr id="24" name="PlaceHolder 3"/>
+          <p:cNvPr id="23" name="PlaceHolder 3"/>
           <p:cNvSpPr>
             <a:spLocks noGrp="1"/>
           </p:cNvSpPr>
@@ -3437,8 +2283,8 @@
         </p:nvSpPr>
         <p:spPr>
           <a:xfrm>
-            <a:off x="4600080" y="1641960"/>
-            <a:ext cx="3952080" cy="1941480"/>
+            <a:off x="4600080" y="1642680"/>
+            <a:ext cx="3952440" cy="1941840"/>
           </a:xfrm>
           <a:prstGeom prst="rect">
             <a:avLst/>
@@ -3453,7 +2299,7 @@
       </p:sp>
       <p:sp>
         <p:nvSpPr>
-          <p:cNvPr id="25" name="PlaceHolder 4"/>
+          <p:cNvPr id="24" name="PlaceHolder 4"/>
           <p:cNvSpPr>
             <a:spLocks noGrp="1"/>
           </p:cNvSpPr>
@@ -3463,8 +2309,8 @@
         </p:nvSpPr>
         <p:spPr>
           <a:xfrm>
-            <a:off x="450000" y="3768120"/>
-            <a:ext cx="8098920" cy="1941480"/>
+            <a:off x="449640" y="3769560"/>
+            <a:ext cx="8099280" cy="1941840"/>
           </a:xfrm>
           <a:prstGeom prst="rect">
             <a:avLst/>
@@ -3515,7 +2361,7 @@
         <p:spPr>
           <a:xfrm>
             <a:off x="360" y="0"/>
-            <a:ext cx="8998920" cy="4800600"/>
+            <a:ext cx="8998560" cy="4800240"/>
           </a:xfrm>
           <a:prstGeom prst="rect">
             <a:avLst/>
@@ -3543,7 +2389,7 @@
         <p:spPr>
           <a:xfrm>
             <a:off x="720" y="4771800"/>
-            <a:ext cx="8999280" cy="360"/>
+            <a:ext cx="8998920" cy="360"/>
           </a:xfrm>
           <a:prstGeom prst="straightConnector1">
             <a:avLst/>
@@ -3576,7 +2422,7 @@
         <p:spPr>
           <a:xfrm>
             <a:off x="450000" y="279360"/>
-            <a:ext cx="8098920" cy="1170720"/>
+            <a:ext cx="8098560" cy="1170360"/>
           </a:xfrm>
           <a:prstGeom prst="rect">
             <a:avLst/>
@@ -3597,40 +2443,13 @@
             <a:spLocks noGrp="1"/>
           </p:cNvSpPr>
           <p:nvPr>
-            <p:ph type="subTitle"/>
+            <p:ph type="body"/>
           </p:nvPr>
         </p:nvSpPr>
         <p:spPr>
           <a:xfrm>
             <a:off x="450000" y="1641960"/>
-            <a:ext cx="8098920" cy="4070520"/>
-          </a:xfrm>
-          <a:prstGeom prst="rect">
-            <a:avLst/>
-          </a:prstGeom>
-        </p:spPr>
-        <p:txBody>
-          <a:bodyPr lIns="0" rIns="0" tIns="0" bIns="0" anchor="ctr"/>
-          <a:p>
-            <a:pPr algn="ctr"/>
-            <a:endParaRPr/>
-          </a:p>
-        </p:txBody>
-      </p:sp>
-      <p:sp>
-        <p:nvSpPr>
-          <p:cNvPr id="4" name="PlaceHolder 5"/>
-          <p:cNvSpPr>
-            <a:spLocks noGrp="1"/>
-          </p:cNvSpPr>
-          <p:nvPr>
-            <p:ph type="body"/>
-          </p:nvPr>
-        </p:nvSpPr>
-        <p:spPr>
-          <a:xfrm>
-            <a:off x="449640" y="1642680"/>
-            <a:ext cx="8099280" cy="4071240"/>
+            <a:ext cx="8098560" cy="4070160"/>
           </a:xfrm>
           <a:prstGeom prst="rect">
             <a:avLst/>
@@ -3645,7 +2464,7 @@
               <a:buChar char=""/>
             </a:pPr>
             <a:r>
-              <a:rPr lang="pt-BR" sz="3200">
+              <a:rPr lang="pt-BR">
                 <a:latin typeface="Arial"/>
               </a:rPr>
               <a:t>Click to edit the outline text format</a:t>
@@ -3659,7 +2478,7 @@
               <a:buChar char=""/>
             </a:pPr>
             <a:r>
-              <a:rPr lang="pt-BR" sz="2800">
+              <a:rPr lang="pt-BR">
                 <a:latin typeface="Arial"/>
               </a:rPr>
               <a:t>Second Outline Level</a:t>
@@ -3673,7 +2492,7 @@
               <a:buChar char=""/>
             </a:pPr>
             <a:r>
-              <a:rPr lang="pt-BR" sz="2400">
+              <a:rPr lang="pt-BR">
                 <a:latin typeface="Arial"/>
               </a:rPr>
               <a:t>Third Outline Level</a:t>
@@ -3687,7 +2506,7 @@
               <a:buChar char=""/>
             </a:pPr>
             <a:r>
-              <a:rPr lang="pt-BR" sz="2000">
+              <a:rPr lang="pt-BR">
                 <a:latin typeface="Arial"/>
               </a:rPr>
               <a:t>Fourth Outline Level</a:t>
@@ -3701,7 +2520,7 @@
               <a:buChar char=""/>
             </a:pPr>
             <a:r>
-              <a:rPr lang="pt-BR" sz="2000">
+              <a:rPr lang="pt-BR">
                 <a:latin typeface="Arial"/>
               </a:rPr>
               <a:t>Fifth Outline Level</a:t>
@@ -3715,7 +2534,7 @@
               <a:buChar char=""/>
             </a:pPr>
             <a:r>
-              <a:rPr lang="pt-BR" sz="2000">
+              <a:rPr lang="pt-BR">
                 <a:latin typeface="Arial"/>
               </a:rPr>
               <a:t>Sixth Outline Level</a:t>
@@ -3729,7 +2548,7 @@
               <a:buChar char=""/>
             </a:pPr>
             <a:r>
-              <a:rPr lang="pt-BR" sz="2000">
+              <a:rPr lang="pt-BR">
                 <a:latin typeface="Arial"/>
               </a:rPr>
               <a:t>Seventh Outline Level</a:t>
@@ -3784,14 +2603,14 @@
       </p:grpSpPr>
       <p:sp>
         <p:nvSpPr>
-          <p:cNvPr id="39" name="CustomShape 1"/>
+          <p:cNvPr id="38" name="CustomShape 1"/>
           <p:cNvSpPr/>
           <p:nvPr/>
         </p:nvSpPr>
         <p:spPr>
           <a:xfrm>
             <a:off x="360" y="720"/>
-            <a:ext cx="8998920" cy="1568160"/>
+            <a:ext cx="8998560" cy="1567800"/>
           </a:xfrm>
           <a:prstGeom prst="rect">
             <a:avLst/>
@@ -3812,14 +2631,14 @@
       </p:sp>
       <p:sp>
         <p:nvSpPr>
-          <p:cNvPr id="40" name="CustomShape 2"/>
+          <p:cNvPr id="39" name="CustomShape 2"/>
           <p:cNvSpPr/>
           <p:nvPr/>
         </p:nvSpPr>
         <p:spPr>
           <a:xfrm>
             <a:off x="720" y="1538280"/>
-            <a:ext cx="8999280" cy="360"/>
+            <a:ext cx="8998920" cy="360"/>
           </a:xfrm>
           <a:prstGeom prst="straightConnector1">
             <a:avLst/>
@@ -3841,7 +2660,7 @@
       </p:sp>
       <p:sp>
         <p:nvSpPr>
-          <p:cNvPr id="41" name="PlaceHolder 3"/>
+          <p:cNvPr id="40" name="PlaceHolder 3"/>
           <p:cNvSpPr>
             <a:spLocks noGrp="1"/>
           </p:cNvSpPr>
@@ -3851,8 +2670,8 @@
         </p:nvSpPr>
         <p:spPr>
           <a:xfrm>
-            <a:off x="450000" y="279360"/>
-            <a:ext cx="8098920" cy="1170720"/>
+            <a:off x="449640" y="280080"/>
+            <a:ext cx="8099280" cy="1171800"/>
           </a:xfrm>
           <a:prstGeom prst="rect">
             <a:avLst/>
@@ -3862,13 +2681,19 @@
           <a:bodyPr lIns="0" rIns="0" tIns="0" bIns="0" anchor="ctr"/>
           <a:p>
             <a:pPr algn="ctr"/>
-            <a:endParaRPr/>
-          </a:p>
-        </p:txBody>
-      </p:sp>
-      <p:sp>
-        <p:nvSpPr>
-          <p:cNvPr id="42" name="PlaceHolder 4"/>
+            <a:r>
+              <a:rPr lang="pt-BR" sz="4400">
+                <a:latin typeface="Arial"/>
+              </a:rPr>
+              <a:t>Click to edit the title text format</a:t>
+            </a:r>
+            <a:endParaRPr/>
+          </a:p>
+        </p:txBody>
+      </p:sp>
+      <p:sp>
+        <p:nvSpPr>
+          <p:cNvPr id="41" name="PlaceHolder 4"/>
           <p:cNvSpPr>
             <a:spLocks noGrp="1"/>
           </p:cNvSpPr>
@@ -3878,8 +2703,8 @@
         </p:nvSpPr>
         <p:spPr>
           <a:xfrm>
-            <a:off x="450000" y="1641960"/>
-            <a:ext cx="8098920" cy="4070520"/>
+            <a:off x="449640" y="1642680"/>
+            <a:ext cx="8099280" cy="4071240"/>
           </a:xfrm>
           <a:prstGeom prst="rect">
             <a:avLst/>
@@ -3894,7 +2719,7 @@
               <a:buChar char=""/>
             </a:pPr>
             <a:r>
-              <a:rPr lang="pt-BR">
+              <a:rPr lang="pt-BR" sz="3200">
                 <a:latin typeface="Arial"/>
               </a:rPr>
               <a:t>Click to edit the outline text format</a:t>
@@ -3908,7 +2733,7 @@
               <a:buChar char=""/>
             </a:pPr>
             <a:r>
-              <a:rPr lang="pt-BR">
+              <a:rPr lang="pt-BR" sz="2800">
                 <a:latin typeface="Arial"/>
               </a:rPr>
               <a:t>Second Outline Level</a:t>
@@ -3922,7 +2747,7 @@
               <a:buChar char=""/>
             </a:pPr>
             <a:r>
-              <a:rPr lang="pt-BR">
+              <a:rPr lang="pt-BR" sz="2400">
                 <a:latin typeface="Arial"/>
               </a:rPr>
               <a:t>Third Outline Level</a:t>
@@ -3936,7 +2761,7 @@
               <a:buChar char=""/>
             </a:pPr>
             <a:r>
-              <a:rPr lang="pt-BR">
+              <a:rPr lang="pt-BR" sz="2000">
                 <a:latin typeface="Arial"/>
               </a:rPr>
               <a:t>Fourth Outline Level</a:t>
@@ -3950,7 +2775,7 @@
               <a:buChar char=""/>
             </a:pPr>
             <a:r>
-              <a:rPr lang="pt-BR">
+              <a:rPr lang="pt-BR" sz="2000">
                 <a:latin typeface="Arial"/>
               </a:rPr>
               <a:t>Fifth Outline Level</a:t>
@@ -3964,7 +2789,7 @@
               <a:buChar char=""/>
             </a:pPr>
             <a:r>
-              <a:rPr lang="pt-BR">
+              <a:rPr lang="pt-BR" sz="2000">
                 <a:latin typeface="Arial"/>
               </a:rPr>
               <a:t>Sixth Outline Level</a:t>
@@ -3978,7 +2803,7 @@
               <a:buChar char=""/>
             </a:pPr>
             <a:r>
-              <a:rPr lang="pt-BR">
+              <a:rPr lang="pt-BR" sz="2000">
                 <a:latin typeface="Arial"/>
               </a:rPr>
               <a:t>Seventh Outline Level</a:t>
@@ -4003,204 +2828,6 @@
     <p:sldLayoutId id="2147483671" r:id="rId11"/>
     <p:sldLayoutId id="2147483672" r:id="rId12"/>
     <p:sldLayoutId id="2147483673" r:id="rId13"/>
-  </p:sldLayoutIdLst>
-</p:sldMaster>
-</file>
-
-<file path=ppt/slideMasters/slideMaster3.xml><?xml version="1.0" encoding="utf-8"?>
-<p:sldMaster xmlns:a="http://schemas.openxmlformats.org/drawingml/2006/main" xmlns:p="http://schemas.openxmlformats.org/presentationml/2006/main" xmlns:r="http://schemas.openxmlformats.org/officeDocument/2006/relationships">
-  <p:cSld>
-    <p:bg>
-      <p:bgPr>
-        <a:solidFill>
-          <a:srgbClr val="2388db"/>
-        </a:solidFill>
-      </p:bgPr>
-    </p:bg>
-    <p:spTree>
-      <p:nvGrpSpPr>
-        <p:cNvPr id="1" name=""/>
-        <p:cNvGrpSpPr/>
-        <p:nvPr/>
-      </p:nvGrpSpPr>
-      <p:grpSpPr>
-        <a:xfrm>
-          <a:off x="0" y="0"/>
-          <a:ext cx="0" cy="0"/>
-          <a:chOff x="0" y="0"/>
-          <a:chExt cx="0" cy="0"/>
-        </a:xfrm>
-      </p:grpSpPr>
-      <p:sp>
-        <p:nvSpPr>
-          <p:cNvPr id="77" name="PlaceHolder 1"/>
-          <p:cNvSpPr>
-            <a:spLocks noGrp="1"/>
-          </p:cNvSpPr>
-          <p:nvPr>
-            <p:ph type="title"/>
-          </p:nvPr>
-        </p:nvSpPr>
-        <p:spPr>
-          <a:xfrm>
-            <a:off x="449640" y="280080"/>
-            <a:ext cx="8099280" cy="1171800"/>
-          </a:xfrm>
-          <a:prstGeom prst="rect">
-            <a:avLst/>
-          </a:prstGeom>
-        </p:spPr>
-        <p:txBody>
-          <a:bodyPr lIns="0" rIns="0" tIns="0" bIns="0" anchor="ctr"/>
-          <a:p>
-            <a:pPr algn="ctr"/>
-            <a:r>
-              <a:rPr lang="pt-BR" sz="4400">
-                <a:latin typeface="Arial"/>
-              </a:rPr>
-              <a:t>Click to edit the title text format</a:t>
-            </a:r>
-            <a:endParaRPr/>
-          </a:p>
-        </p:txBody>
-      </p:sp>
-      <p:sp>
-        <p:nvSpPr>
-          <p:cNvPr id="78" name="PlaceHolder 2"/>
-          <p:cNvSpPr>
-            <a:spLocks noGrp="1"/>
-          </p:cNvSpPr>
-          <p:nvPr>
-            <p:ph type="body"/>
-          </p:nvPr>
-        </p:nvSpPr>
-        <p:spPr>
-          <a:xfrm>
-            <a:off x="449640" y="1642680"/>
-            <a:ext cx="8099280" cy="4071240"/>
-          </a:xfrm>
-          <a:prstGeom prst="rect">
-            <a:avLst/>
-          </a:prstGeom>
-        </p:spPr>
-        <p:txBody>
-          <a:bodyPr lIns="0" rIns="0" tIns="0" bIns="0"/>
-          <a:p>
-            <a:pPr>
-              <a:buSzPct val="45000"/>
-              <a:buFont typeface="StarSymbol"/>
-              <a:buChar char=""/>
-            </a:pPr>
-            <a:r>
-              <a:rPr lang="pt-BR" sz="3200">
-                <a:latin typeface="Arial"/>
-              </a:rPr>
-              <a:t>Click to edit the outline text format</a:t>
-            </a:r>
-            <a:endParaRPr/>
-          </a:p>
-          <a:p>
-            <a:pPr lvl="1">
-              <a:buSzPct val="75000"/>
-              <a:buFont typeface="StarSymbol"/>
-              <a:buChar char=""/>
-            </a:pPr>
-            <a:r>
-              <a:rPr lang="pt-BR" sz="2800">
-                <a:latin typeface="Arial"/>
-              </a:rPr>
-              <a:t>Second Outline Level</a:t>
-            </a:r>
-            <a:endParaRPr/>
-          </a:p>
-          <a:p>
-            <a:pPr lvl="2">
-              <a:buSzPct val="45000"/>
-              <a:buFont typeface="StarSymbol"/>
-              <a:buChar char=""/>
-            </a:pPr>
-            <a:r>
-              <a:rPr lang="pt-BR" sz="2400">
-                <a:latin typeface="Arial"/>
-              </a:rPr>
-              <a:t>Third Outline Level</a:t>
-            </a:r>
-            <a:endParaRPr/>
-          </a:p>
-          <a:p>
-            <a:pPr lvl="3">
-              <a:buSzPct val="75000"/>
-              <a:buFont typeface="StarSymbol"/>
-              <a:buChar char=""/>
-            </a:pPr>
-            <a:r>
-              <a:rPr lang="pt-BR" sz="2000">
-                <a:latin typeface="Arial"/>
-              </a:rPr>
-              <a:t>Fourth Outline Level</a:t>
-            </a:r>
-            <a:endParaRPr/>
-          </a:p>
-          <a:p>
-            <a:pPr lvl="4">
-              <a:buSzPct val="45000"/>
-              <a:buFont typeface="StarSymbol"/>
-              <a:buChar char=""/>
-            </a:pPr>
-            <a:r>
-              <a:rPr lang="pt-BR" sz="2000">
-                <a:latin typeface="Arial"/>
-              </a:rPr>
-              <a:t>Fifth Outline Level</a:t>
-            </a:r>
-            <a:endParaRPr/>
-          </a:p>
-          <a:p>
-            <a:pPr lvl="5">
-              <a:buSzPct val="45000"/>
-              <a:buFont typeface="StarSymbol"/>
-              <a:buChar char=""/>
-            </a:pPr>
-            <a:r>
-              <a:rPr lang="pt-BR" sz="2000">
-                <a:latin typeface="Arial"/>
-              </a:rPr>
-              <a:t>Sixth Outline Level</a:t>
-            </a:r>
-            <a:endParaRPr/>
-          </a:p>
-          <a:p>
-            <a:pPr lvl="6">
-              <a:buSzPct val="45000"/>
-              <a:buFont typeface="StarSymbol"/>
-              <a:buChar char=""/>
-            </a:pPr>
-            <a:r>
-              <a:rPr lang="pt-BR" sz="2000">
-                <a:latin typeface="Arial"/>
-              </a:rPr>
-              <a:t>Seventh Outline Level</a:t>
-            </a:r>
-            <a:endParaRPr/>
-          </a:p>
-        </p:txBody>
-      </p:sp>
-    </p:spTree>
-  </p:cSld>
-  <p:clrMap bg1="lt1" bg2="lt2" tx1="dk1" tx2="dk2" accent1="accent1" accent2="accent2" accent3="accent3" accent4="accent4" accent5="accent5" accent6="accent6" hlink="hlink" folHlink="folHlink"/>
-  <p:sldLayoutIdLst>
-    <p:sldLayoutId id="2147483675" r:id="rId2"/>
-    <p:sldLayoutId id="2147483676" r:id="rId3"/>
-    <p:sldLayoutId id="2147483677" r:id="rId4"/>
-    <p:sldLayoutId id="2147483678" r:id="rId5"/>
-    <p:sldLayoutId id="2147483679" r:id="rId6"/>
-    <p:sldLayoutId id="2147483680" r:id="rId7"/>
-    <p:sldLayoutId id="2147483681" r:id="rId8"/>
-    <p:sldLayoutId id="2147483682" r:id="rId9"/>
-    <p:sldLayoutId id="2147483683" r:id="rId10"/>
-    <p:sldLayoutId id="2147483684" r:id="rId11"/>
-    <p:sldLayoutId id="2147483685" r:id="rId12"/>
-    <p:sldLayoutId id="2147483686" r:id="rId13"/>
   </p:sldLayoutIdLst>
 </p:sldMaster>
 </file>
@@ -4231,14 +2858,14 @@
       </p:grpSpPr>
       <p:sp>
         <p:nvSpPr>
-          <p:cNvPr id="113" name="CustomShape 1"/>
+          <p:cNvPr id="76" name="CustomShape 1"/>
           <p:cNvSpPr/>
           <p:nvPr/>
         </p:nvSpPr>
         <p:spPr>
           <a:xfrm>
             <a:off x="727560" y="792000"/>
-            <a:ext cx="7648920" cy="2249640"/>
+            <a:ext cx="7648560" cy="2249280"/>
           </a:xfrm>
           <a:prstGeom prst="rect">
             <a:avLst/>
@@ -4291,14 +2918,14 @@
       </p:sp>
       <p:sp>
         <p:nvSpPr>
-          <p:cNvPr id="114" name="CustomShape 2"/>
+          <p:cNvPr id="77" name="CustomShape 2"/>
           <p:cNvSpPr/>
           <p:nvPr/>
         </p:nvSpPr>
         <p:spPr>
           <a:xfrm>
             <a:off x="727560" y="3142080"/>
-            <a:ext cx="7648920" cy="1465560"/>
+            <a:ext cx="7648560" cy="1465200"/>
           </a:xfrm>
           <a:prstGeom prst="rect">
             <a:avLst/>
@@ -4356,14 +2983,14 @@
       </p:sp>
       <p:sp>
         <p:nvSpPr>
-          <p:cNvPr id="115" name="CustomShape 3"/>
+          <p:cNvPr id="78" name="CustomShape 3"/>
           <p:cNvSpPr/>
           <p:nvPr/>
         </p:nvSpPr>
         <p:spPr>
           <a:xfrm>
             <a:off x="727560" y="4750920"/>
-            <a:ext cx="2919240" cy="2249280"/>
+            <a:ext cx="2918880" cy="2248920"/>
           </a:xfrm>
           <a:prstGeom prst="rect">
             <a:avLst/>
@@ -4473,7 +3100,7 @@
       </p:sp>
       <p:pic>
         <p:nvPicPr>
-          <p:cNvPr id="116" name="Shape 43" descr=""/>
+          <p:cNvPr id="79" name="Shape 43" descr=""/>
           <p:cNvPicPr/>
           <p:nvPr/>
         </p:nvPicPr>
@@ -4484,7 +3111,7 @@
         <p:spPr>
           <a:xfrm>
             <a:off x="6861600" y="6084000"/>
-            <a:ext cx="2003040" cy="936000"/>
+            <a:ext cx="2002680" cy="935640"/>
           </a:xfrm>
           <a:prstGeom prst="rect">
             <a:avLst/>
@@ -4545,14 +3172,14 @@
       </p:grpSpPr>
       <p:sp>
         <p:nvSpPr>
-          <p:cNvPr id="117" name="CustomShape 1"/>
+          <p:cNvPr id="80" name="CustomShape 1"/>
           <p:cNvSpPr/>
           <p:nvPr/>
         </p:nvSpPr>
         <p:spPr>
           <a:xfrm>
             <a:off x="450000" y="280800"/>
-            <a:ext cx="8098920" cy="1168920"/>
+            <a:ext cx="8098560" cy="1168560"/>
           </a:xfrm>
           <a:prstGeom prst="rect">
             <a:avLst/>
@@ -4592,14 +3219,14 @@
       </p:sp>
       <p:sp>
         <p:nvSpPr>
-          <p:cNvPr id="118" name="CustomShape 2"/>
+          <p:cNvPr id="81" name="CustomShape 2"/>
           <p:cNvSpPr/>
           <p:nvPr/>
         </p:nvSpPr>
         <p:spPr>
           <a:xfrm>
             <a:off x="450000" y="1637280"/>
-            <a:ext cx="8098920" cy="5083560"/>
+            <a:ext cx="8098560" cy="5083200"/>
           </a:xfrm>
           <a:prstGeom prst="rect">
             <a:avLst/>
@@ -4624,7 +3251,7 @@
               </a:lnSpc>
               <a:buSzPct val="45000"/>
               <a:buFont typeface="StarSymbol"/>
-              <a:buChar char="l"/>
+              <a:buChar char=""/>
             </a:pPr>
             <a:r>
               <a:rPr lang="pt-BR" sz="2600" strike="noStrike">
@@ -4645,7 +3272,7 @@
               </a:lnSpc>
               <a:buSzPct val="45000"/>
               <a:buFont typeface="StarSymbol"/>
-              <a:buChar char="l"/>
+              <a:buChar char=""/>
             </a:pPr>
             <a:r>
               <a:rPr lang="pt-BR" sz="2600" strike="noStrike">
@@ -4666,7 +3293,7 @@
               </a:lnSpc>
               <a:buSzPct val="45000"/>
               <a:buFont typeface="StarSymbol"/>
-              <a:buChar char="l"/>
+              <a:buChar char=""/>
             </a:pPr>
             <a:r>
               <a:rPr lang="pt-BR" sz="2600" strike="noStrike">
@@ -4687,7 +3314,7 @@
               </a:lnSpc>
               <a:buSzPct val="45000"/>
               <a:buFont typeface="StarSymbol"/>
-              <a:buChar char="l"/>
+              <a:buChar char=""/>
             </a:pPr>
             <a:r>
               <a:rPr lang="pt-BR" sz="2600" strike="noStrike">
@@ -4708,7 +3335,7 @@
               </a:lnSpc>
               <a:buSzPct val="45000"/>
               <a:buFont typeface="StarSymbol"/>
-              <a:buChar char="l"/>
+              <a:buChar char=""/>
             </a:pPr>
             <a:r>
               <a:rPr lang="pt-BR" sz="2600" strike="noStrike">
@@ -4726,14 +3353,14 @@
       </p:sp>
       <p:sp>
         <p:nvSpPr>
-          <p:cNvPr id="119" name="CustomShape 3"/>
+          <p:cNvPr id="82" name="CustomShape 3"/>
           <p:cNvSpPr/>
           <p:nvPr/>
         </p:nvSpPr>
         <p:spPr>
           <a:xfrm>
             <a:off x="8421480" y="6481800"/>
-            <a:ext cx="538920" cy="536400"/>
+            <a:ext cx="538560" cy="536040"/>
           </a:xfrm>
           <a:prstGeom prst="rect">
             <a:avLst/>
@@ -4757,7 +3384,7 @@
                 <a:spcPct val="100000"/>
               </a:lnSpc>
             </a:pPr>
-            <a:fld id="{4587F2CB-D78D-435D-BEE7-00BDE335D18D}" type="slidenum">
+            <a:fld id="{1919521F-A11E-4E50-AE9B-38ABA6C6D897}" type="slidenum">
               <a:rPr lang="pt-BR" sz="1300" strike="noStrike">
                 <a:solidFill>
                   <a:srgbClr val="2388db"/>
@@ -4822,14 +3449,14 @@
       </p:grpSpPr>
       <p:sp>
         <p:nvSpPr>
-          <p:cNvPr id="120" name="CustomShape 1"/>
+          <p:cNvPr id="83" name="CustomShape 1"/>
           <p:cNvSpPr/>
           <p:nvPr/>
         </p:nvSpPr>
         <p:spPr>
           <a:xfrm>
             <a:off x="450000" y="1637280"/>
-            <a:ext cx="8098920" cy="5083560"/>
+            <a:ext cx="8098560" cy="5083200"/>
           </a:xfrm>
           <a:prstGeom prst="rect">
             <a:avLst/>
@@ -4975,14 +3602,14 @@
       </p:sp>
       <p:sp>
         <p:nvSpPr>
-          <p:cNvPr id="121" name="CustomShape 2"/>
+          <p:cNvPr id="84" name="CustomShape 2"/>
           <p:cNvSpPr/>
           <p:nvPr/>
         </p:nvSpPr>
         <p:spPr>
           <a:xfrm>
             <a:off x="450000" y="280800"/>
-            <a:ext cx="8098920" cy="1169280"/>
+            <a:ext cx="8098560" cy="1168920"/>
           </a:xfrm>
           <a:prstGeom prst="rect">
             <a:avLst/>
@@ -5022,14 +3649,14 @@
       </p:sp>
       <p:sp>
         <p:nvSpPr>
-          <p:cNvPr id="122" name="CustomShape 3"/>
+          <p:cNvPr id="85" name="CustomShape 3"/>
           <p:cNvSpPr/>
           <p:nvPr/>
         </p:nvSpPr>
         <p:spPr>
           <a:xfrm>
             <a:off x="8421480" y="6481800"/>
-            <a:ext cx="538920" cy="536400"/>
+            <a:ext cx="538560" cy="536040"/>
           </a:xfrm>
           <a:prstGeom prst="rect">
             <a:avLst/>
@@ -5053,7 +3680,7 @@
                 <a:spcPct val="100000"/>
               </a:lnSpc>
             </a:pPr>
-            <a:fld id="{58344FA5-81D9-4E7B-81AC-802FEA17B268}" type="slidenum">
+            <a:fld id="{B21CE592-503D-40A7-BD85-35AD3D2682C1}" type="slidenum">
               <a:rPr lang="pt-BR" sz="1300" strike="noStrike">
                 <a:solidFill>
                   <a:srgbClr val="2388db"/>
@@ -5118,14 +3745,14 @@
       </p:grpSpPr>
       <p:sp>
         <p:nvSpPr>
-          <p:cNvPr id="123" name="CustomShape 1"/>
+          <p:cNvPr id="86" name="CustomShape 1"/>
           <p:cNvSpPr/>
           <p:nvPr/>
         </p:nvSpPr>
         <p:spPr>
           <a:xfrm>
             <a:off x="450000" y="1637280"/>
-            <a:ext cx="8098920" cy="5083560"/>
+            <a:ext cx="8098560" cy="5083200"/>
           </a:xfrm>
           <a:prstGeom prst="rect">
             <a:avLst/>
@@ -5271,14 +3898,14 @@
       </p:sp>
       <p:sp>
         <p:nvSpPr>
-          <p:cNvPr id="124" name="CustomShape 2"/>
+          <p:cNvPr id="87" name="CustomShape 2"/>
           <p:cNvSpPr/>
           <p:nvPr/>
         </p:nvSpPr>
         <p:spPr>
           <a:xfrm>
             <a:off x="450000" y="280800"/>
-            <a:ext cx="8098920" cy="1169280"/>
+            <a:ext cx="8098560" cy="1168920"/>
           </a:xfrm>
           <a:prstGeom prst="rect">
             <a:avLst/>
@@ -5318,14 +3945,14 @@
       </p:sp>
       <p:sp>
         <p:nvSpPr>
-          <p:cNvPr id="125" name="CustomShape 3"/>
+          <p:cNvPr id="88" name="CustomShape 3"/>
           <p:cNvSpPr/>
           <p:nvPr/>
         </p:nvSpPr>
         <p:spPr>
           <a:xfrm>
             <a:off x="8421480" y="6481800"/>
-            <a:ext cx="538920" cy="536400"/>
+            <a:ext cx="538560" cy="536040"/>
           </a:xfrm>
           <a:prstGeom prst="rect">
             <a:avLst/>
@@ -5349,7 +3976,7 @@
                 <a:spcPct val="100000"/>
               </a:lnSpc>
             </a:pPr>
-            <a:fld id="{666D5352-7F42-403D-BB30-B99D48B49A29}" type="slidenum">
+            <a:fld id="{8FFF94FE-9707-4383-8C3B-2E1BD7D1F8B5}" type="slidenum">
               <a:rPr lang="pt-BR" sz="1300" strike="noStrike">
                 <a:solidFill>
                   <a:srgbClr val="2388db"/>
@@ -5414,19 +4041,22 @@
       </p:grpSpPr>
       <p:sp>
         <p:nvSpPr>
-          <p:cNvPr id="126" name="CustomShape 1"/>
+          <p:cNvPr id="89" name="CustomShape 1"/>
           <p:cNvSpPr/>
           <p:nvPr/>
         </p:nvSpPr>
         <p:spPr>
           <a:xfrm>
-            <a:off x="450000" y="280800"/>
-            <a:ext cx="8098920" cy="1169280"/>
-          </a:xfrm>
-          <a:prstGeom prst="rect">
-            <a:avLst/>
-          </a:prstGeom>
-          <a:noFill/>
+            <a:off x="288000" y="2304000"/>
+            <a:ext cx="8352000" cy="3696480"/>
+          </a:xfrm>
+          <a:prstGeom prst="rect">
+            <a:avLst/>
+          </a:prstGeom>
+          <a:blipFill>
+            <a:blip r:embed="rId1"/>
+            <a:tile/>
+          </a:blipFill>
           <a:ln>
             <a:noFill/>
           </a:ln>
@@ -5438,37 +4068,37 @@
           <a:fontRef idx="minor"/>
         </p:style>
         <p:txBody>
-          <a:bodyPr lIns="90000" rIns="90000" tIns="91440" bIns="91440" anchor="b"/>
+          <a:bodyPr lIns="90000" rIns="90000" tIns="91440" bIns="91440"/>
           <a:p>
             <a:pPr>
               <a:lnSpc>
                 <a:spcPct val="100000"/>
               </a:lnSpc>
             </a:pPr>
-            <a:r>
-              <a:rPr b="1" lang="pt-BR" sz="3600" strike="noStrike">
-                <a:solidFill>
-                  <a:srgbClr val="ffffff"/>
-                </a:solidFill>
-                <a:latin typeface="Arial"/>
-                <a:ea typeface="Arial"/>
-              </a:rPr>
-              <a:t>O que fizemos de bom na iteração?</a:t>
-            </a:r>
-            <a:endParaRPr/>
-          </a:p>
-        </p:txBody>
-      </p:sp>
-      <p:sp>
-        <p:nvSpPr>
-          <p:cNvPr id="127" name="CustomShape 2"/>
+            <a:endParaRPr/>
+          </a:p>
+          <a:p>
+            <a:pPr>
+              <a:lnSpc>
+                <a:spcPct val="100000"/>
+              </a:lnSpc>
+              <a:buFont typeface="Liberation Serif"/>
+              <a:buAutoNum type="arabicParenR"/>
+            </a:pPr>
+            <a:endParaRPr/>
+          </a:p>
+        </p:txBody>
+      </p:sp>
+      <p:sp>
+        <p:nvSpPr>
+          <p:cNvPr id="90" name="CustomShape 2"/>
           <p:cNvSpPr/>
           <p:nvPr/>
         </p:nvSpPr>
         <p:spPr>
           <a:xfrm>
-            <a:off x="450000" y="1637280"/>
-            <a:ext cx="8098920" cy="5083560"/>
+            <a:off x="450000" y="280800"/>
+            <a:ext cx="8098560" cy="1168920"/>
           </a:xfrm>
           <a:prstGeom prst="rect">
             <a:avLst/>
@@ -5485,153 +4115,37 @@
           <a:fontRef idx="minor"/>
         </p:style>
         <p:txBody>
-          <a:bodyPr lIns="90000" rIns="90000" tIns="91440" bIns="91440"/>
+          <a:bodyPr lIns="90000" rIns="90000" tIns="91440" bIns="91440" anchor="b"/>
           <a:p>
             <a:pPr>
               <a:lnSpc>
                 <a:spcPct val="100000"/>
               </a:lnSpc>
             </a:pPr>
-            <a:endParaRPr/>
-          </a:p>
-          <a:p>
-            <a:pPr>
-              <a:lnSpc>
-                <a:spcPct val="115000"/>
-              </a:lnSpc>
-              <a:buSzPct val="75000"/>
-              <a:buFont typeface="Arial"/>
-              <a:buChar char="●"/>
-            </a:pPr>
             <a:r>
-              <a:rPr lang="pt-BR" sz="2400" strike="noStrike">
+              <a:rPr b="1" lang="pt-BR" sz="3600" strike="noStrike">
                 <a:solidFill>
-                  <a:srgbClr val="434343"/>
+                  <a:srgbClr val="ffffff"/>
                 </a:solidFill>
                 <a:latin typeface="Arial"/>
                 <a:ea typeface="Arial"/>
               </a:rPr>
-              <a:t>Todos os itens de Backolg planejados entregues;</a:t>
+              <a:t>Validação do produto</a:t>
             </a:r>
             <a:endParaRPr/>
           </a:p>
-          <a:p>
-            <a:pPr>
-              <a:lnSpc>
-                <a:spcPct val="115000"/>
-              </a:lnSpc>
-              <a:buSzPct val="75000"/>
-              <a:buFont typeface="Arial"/>
-              <a:buChar char="●"/>
-            </a:pPr>
-            <a:r>
-              <a:rPr lang="pt-BR" sz="2400" strike="noStrike">
-                <a:solidFill>
-                  <a:srgbClr val="434343"/>
-                </a:solidFill>
-                <a:latin typeface="Arial"/>
-                <a:ea typeface="Arial"/>
-              </a:rPr>
-              <a:t>Aumento de 50,2% na cobertura de testes (atualmente 36,8%);</a:t>
-            </a:r>
-            <a:endParaRPr/>
-          </a:p>
-          <a:p>
-            <a:pPr>
-              <a:lnSpc>
-                <a:spcPct val="115000"/>
-              </a:lnSpc>
-              <a:buSzPct val="75000"/>
-              <a:buFont typeface="Arial"/>
-              <a:buChar char="●"/>
-            </a:pPr>
-            <a:r>
-              <a:rPr lang="pt-BR" sz="2400" strike="noStrike">
-                <a:solidFill>
-                  <a:srgbClr val="434343"/>
-                </a:solidFill>
-                <a:latin typeface="Arial"/>
-                <a:ea typeface="Arial"/>
-              </a:rPr>
-              <a:t>Atingimos  85% de cobertura na camada de DAO;</a:t>
-            </a:r>
-            <a:endParaRPr/>
-          </a:p>
-          <a:p>
-            <a:pPr>
-              <a:lnSpc>
-                <a:spcPct val="115000"/>
-              </a:lnSpc>
-              <a:buSzPct val="75000"/>
-              <a:buFont typeface="Arial"/>
-              <a:buChar char="●"/>
-            </a:pPr>
-            <a:r>
-              <a:rPr lang="pt-BR" sz="2400" strike="noStrike">
-                <a:solidFill>
-                  <a:srgbClr val="434343"/>
-                </a:solidFill>
-                <a:latin typeface="Arial"/>
-                <a:ea typeface="Arial"/>
-              </a:rPr>
-              <a:t>Resolução de todos os 3 Bugs do projeto;</a:t>
-            </a:r>
-            <a:endParaRPr/>
-          </a:p>
-          <a:p>
-            <a:pPr>
-              <a:lnSpc>
-                <a:spcPct val="115000"/>
-              </a:lnSpc>
-              <a:buSzPct val="75000"/>
-              <a:buFont typeface="Arial"/>
-              <a:buChar char="●"/>
-            </a:pPr>
-            <a:r>
-              <a:rPr lang="pt-BR" sz="2400" strike="noStrike">
-                <a:solidFill>
-                  <a:srgbClr val="434343"/>
-                </a:solidFill>
-                <a:latin typeface="Arial"/>
-                <a:ea typeface="Arial"/>
-              </a:rPr>
-              <a:t>Remoção de todos os erros Críticos apontados pelo sonar;</a:t>
-            </a:r>
-            <a:endParaRPr/>
-          </a:p>
-          <a:p>
-            <a:pPr>
-              <a:lnSpc>
-                <a:spcPct val="115000"/>
-              </a:lnSpc>
-              <a:buSzPct val="75000"/>
-              <a:buFont typeface="Arial"/>
-              <a:buChar char="●"/>
-            </a:pPr>
-            <a:r>
-              <a:rPr lang="pt-BR" sz="2400" strike="noStrike">
-                <a:solidFill>
-                  <a:srgbClr val="434343"/>
-                </a:solidFill>
-                <a:latin typeface="Arial"/>
-                <a:ea typeface="Arial"/>
-              </a:rPr>
-              <a:t>Redução da duplicação de código de 4,2% para 0% em relação a iteração IV;</a:t>
-            </a:r>
-            <a:endParaRPr/>
-          </a:p>
-        </p:txBody>
-      </p:sp>
-      <p:sp>
-        <p:nvSpPr>
-          <p:cNvPr id="128" name="CustomShape 3"/>
+        </p:txBody>
+      </p:sp>
+      <p:sp>
+        <p:nvSpPr>
+          <p:cNvPr id="91" name="CustomShape 3"/>
           <p:cNvSpPr/>
           <p:nvPr/>
         </p:nvSpPr>
         <p:spPr>
           <a:xfrm>
             <a:off x="8421480" y="6481800"/>
-            <a:ext cx="538920" cy="536400"/>
+            <a:ext cx="538560" cy="536040"/>
           </a:xfrm>
           <a:prstGeom prst="rect">
             <a:avLst/>
@@ -5655,7 +4169,7 @@
                 <a:spcPct val="100000"/>
               </a:lnSpc>
             </a:pPr>
-            <a:fld id="{809B4760-4871-428A-978B-EF209AB97048}" type="slidenum">
+            <a:fld id="{446588D1-6A53-4239-B2E1-39F21F0E8B7E}" type="slidenum">
               <a:rPr lang="pt-BR" sz="1300" strike="noStrike">
                 <a:solidFill>
                   <a:srgbClr val="2388db"/>
@@ -5720,14 +4234,14 @@
       </p:grpSpPr>
       <p:sp>
         <p:nvSpPr>
-          <p:cNvPr id="129" name="CustomShape 1"/>
+          <p:cNvPr id="92" name="CustomShape 1"/>
           <p:cNvSpPr/>
           <p:nvPr/>
         </p:nvSpPr>
         <p:spPr>
           <a:xfrm>
             <a:off x="450000" y="280800"/>
-            <a:ext cx="8098920" cy="1169280"/>
+            <a:ext cx="8098560" cy="1168920"/>
           </a:xfrm>
           <a:prstGeom prst="rect">
             <a:avLst/>
@@ -5759,7 +4273,7 @@
                 <a:latin typeface="Arial"/>
                 <a:ea typeface="Arial"/>
               </a:rPr>
-              <a:t>O que poderíamos ter feito melhor?</a:t>
+              <a:t>O que fizemos de bom na iteração?</a:t>
             </a:r>
             <a:endParaRPr/>
           </a:p>
@@ -5767,14 +4281,14 @@
       </p:sp>
       <p:sp>
         <p:nvSpPr>
-          <p:cNvPr id="130" name="CustomShape 2"/>
+          <p:cNvPr id="93" name="CustomShape 2"/>
           <p:cNvSpPr/>
           <p:nvPr/>
         </p:nvSpPr>
         <p:spPr>
           <a:xfrm>
             <a:off x="450000" y="1637280"/>
-            <a:ext cx="8098920" cy="5083560"/>
+            <a:ext cx="8098560" cy="5083200"/>
           </a:xfrm>
           <a:prstGeom prst="rect">
             <a:avLst/>
@@ -5805,21 +4319,139 @@
               <a:lnSpc>
                 <a:spcPct val="115000"/>
               </a:lnSpc>
-            </a:pPr>
-            <a:endParaRPr/>
-          </a:p>
-        </p:txBody>
-      </p:sp>
-      <p:sp>
-        <p:nvSpPr>
-          <p:cNvPr id="131" name="CustomShape 3"/>
+              <a:buSzPct val="75000"/>
+              <a:buFont typeface="Arial"/>
+              <a:buChar char="●"/>
+            </a:pPr>
+            <a:r>
+              <a:rPr lang="pt-BR" sz="2400" strike="noStrike">
+                <a:solidFill>
+                  <a:srgbClr val="434343"/>
+                </a:solidFill>
+                <a:latin typeface="Arial"/>
+                <a:ea typeface="Arial"/>
+              </a:rPr>
+              <a:t>Todos os itens de Backolg planejados entregues;</a:t>
+            </a:r>
+            <a:endParaRPr/>
+          </a:p>
+          <a:p>
+            <a:pPr>
+              <a:lnSpc>
+                <a:spcPct val="115000"/>
+              </a:lnSpc>
+              <a:buSzPct val="75000"/>
+              <a:buFont typeface="Arial"/>
+              <a:buChar char="●"/>
+            </a:pPr>
+            <a:r>
+              <a:rPr lang="pt-BR" sz="2400" strike="noStrike">
+                <a:solidFill>
+                  <a:srgbClr val="434343"/>
+                </a:solidFill>
+                <a:latin typeface="Arial"/>
+                <a:ea typeface="Arial"/>
+              </a:rPr>
+              <a:t>Aumento de 50,2% na cobertura de testes (atualmente 36,6%);</a:t>
+            </a:r>
+            <a:endParaRPr/>
+          </a:p>
+          <a:p>
+            <a:pPr>
+              <a:lnSpc>
+                <a:spcPct val="115000"/>
+              </a:lnSpc>
+              <a:buSzPct val="75000"/>
+              <a:buFont typeface="Arial"/>
+              <a:buChar char="●"/>
+            </a:pPr>
+            <a:r>
+              <a:rPr lang="pt-BR" sz="2400" strike="noStrike">
+                <a:solidFill>
+                  <a:srgbClr val="434343"/>
+                </a:solidFill>
+                <a:latin typeface="Arial"/>
+                <a:ea typeface="Arial"/>
+              </a:rPr>
+              <a:t>Atingimos  98,4% de cobertura na camada de DAO;</a:t>
+            </a:r>
+            <a:endParaRPr/>
+          </a:p>
+          <a:p>
+            <a:pPr>
+              <a:lnSpc>
+                <a:spcPct val="115000"/>
+              </a:lnSpc>
+              <a:buSzPct val="75000"/>
+              <a:buFont typeface="Arial"/>
+              <a:buChar char="●"/>
+            </a:pPr>
+            <a:r>
+              <a:rPr lang="pt-BR" sz="2400" strike="noStrike">
+                <a:solidFill>
+                  <a:srgbClr val="434343"/>
+                </a:solidFill>
+                <a:latin typeface="Arial"/>
+                <a:ea typeface="Arial"/>
+              </a:rPr>
+              <a:t>Resolução de todos os 3 Bugs do projeto;</a:t>
+            </a:r>
+            <a:endParaRPr/>
+          </a:p>
+          <a:p>
+            <a:pPr>
+              <a:lnSpc>
+                <a:spcPct val="115000"/>
+              </a:lnSpc>
+              <a:buSzPct val="75000"/>
+              <a:buFont typeface="Arial"/>
+              <a:buChar char="●"/>
+            </a:pPr>
+            <a:r>
+              <a:rPr lang="pt-BR" sz="2400" strike="noStrike">
+                <a:solidFill>
+                  <a:srgbClr val="434343"/>
+                </a:solidFill>
+                <a:latin typeface="Arial"/>
+                <a:ea typeface="Arial"/>
+              </a:rPr>
+              <a:t>Remoção de todos os erros Críticos apontados pelo sonar;</a:t>
+            </a:r>
+            <a:endParaRPr/>
+          </a:p>
+          <a:p>
+            <a:pPr>
+              <a:lnSpc>
+                <a:spcPct val="115000"/>
+              </a:lnSpc>
+              <a:buSzPct val="75000"/>
+              <a:buFont typeface="Arial"/>
+              <a:buChar char="●"/>
+            </a:pPr>
+            <a:r>
+              <a:rPr lang="pt-BR" sz="2400" strike="noStrike">
+                <a:solidFill>
+                  <a:srgbClr val="434343"/>
+                </a:solidFill>
+                <a:latin typeface="Arial"/>
+                <a:ea typeface="Arial"/>
+              </a:rPr>
+              <a:t>Redução da duplicação de código de 4,2% para 0% em relação a iteração IV;</a:t>
+            </a:r>
+            <a:endParaRPr/>
+          </a:p>
+        </p:txBody>
+      </p:sp>
+      <p:sp>
+        <p:nvSpPr>
+          <p:cNvPr id="94" name="CustomShape 3"/>
           <p:cNvSpPr/>
           <p:nvPr/>
         </p:nvSpPr>
         <p:spPr>
           <a:xfrm>
             <a:off x="8421480" y="6481800"/>
-            <a:ext cx="538920" cy="536400"/>
+            <a:ext cx="538560" cy="536040"/>
           </a:xfrm>
           <a:prstGeom prst="rect">
             <a:avLst/>
@@ -5843,7 +4475,7 @@
                 <a:spcPct val="100000"/>
               </a:lnSpc>
             </a:pPr>
-            <a:fld id="{27153269-7FF5-4BB1-9B79-A343F6133C50}" type="slidenum">
+            <a:fld id="{B7CB3D6A-B13A-4B37-9A8B-053850301237}" type="slidenum">
               <a:rPr lang="pt-BR" sz="1300" strike="noStrike">
                 <a:solidFill>
                   <a:srgbClr val="2388db"/>
@@ -5853,64 +4485,6 @@
               </a:rPr>
               <a:t>&lt;number&gt;</a:t>
             </a:fld>
-            <a:endParaRPr/>
-          </a:p>
-        </p:txBody>
-      </p:sp>
-      <p:sp>
-        <p:nvSpPr>
-          <p:cNvPr id="132" name="CustomShape 4"/>
-          <p:cNvSpPr/>
-          <p:nvPr/>
-        </p:nvSpPr>
-        <p:spPr>
-          <a:xfrm>
-            <a:off x="450000" y="1637280"/>
-            <a:ext cx="8098920" cy="5083560"/>
-          </a:xfrm>
-          <a:prstGeom prst="rect">
-            <a:avLst/>
-          </a:prstGeom>
-          <a:noFill/>
-          <a:ln>
-            <a:noFill/>
-          </a:ln>
-        </p:spPr>
-        <p:style>
-          <a:lnRef idx="0"/>
-          <a:fillRef idx="0"/>
-          <a:effectRef idx="0"/>
-          <a:fontRef idx="minor"/>
-        </p:style>
-        <p:txBody>
-          <a:bodyPr lIns="90000" rIns="90000" tIns="91440" bIns="91440"/>
-          <a:p>
-            <a:pPr>
-              <a:lnSpc>
-                <a:spcPct val="100000"/>
-              </a:lnSpc>
-            </a:pPr>
-            <a:endParaRPr/>
-          </a:p>
-          <a:p>
-            <a:pPr>
-              <a:lnSpc>
-                <a:spcPct val="115000"/>
-              </a:lnSpc>
-              <a:buSzPct val="75000"/>
-              <a:buFont typeface="Arial"/>
-              <a:buChar char="●"/>
-            </a:pPr>
-            <a:r>
-              <a:rPr lang="pt-BR" sz="2400" strike="noStrike">
-                <a:solidFill>
-                  <a:srgbClr val="434343"/>
-                </a:solidFill>
-                <a:latin typeface="Arial"/>
-                <a:ea typeface="Arial"/>
-              </a:rPr>
-              <a:t>Atingido as métricas de cobertura de testes exigida;</a:t>
-            </a:r>
             <a:endParaRPr/>
           </a:p>
         </p:txBody>
@@ -5966,14 +4540,14 @@
       </p:grpSpPr>
       <p:sp>
         <p:nvSpPr>
-          <p:cNvPr id="133" name="CustomShape 1"/>
+          <p:cNvPr id="95" name="CustomShape 1"/>
           <p:cNvSpPr/>
           <p:nvPr/>
         </p:nvSpPr>
         <p:spPr>
           <a:xfrm>
             <a:off x="450000" y="280800"/>
-            <a:ext cx="8098920" cy="1169280"/>
+            <a:ext cx="8098560" cy="1168920"/>
           </a:xfrm>
           <a:prstGeom prst="rect">
             <a:avLst/>
@@ -6005,7 +4579,7 @@
                 <a:latin typeface="Arial"/>
                 <a:ea typeface="Arial"/>
               </a:rPr>
-              <a:t>Lições aprendidas durante a iteração</a:t>
+              <a:t>O que poderíamos ter feito melhor?</a:t>
             </a:r>
             <a:endParaRPr/>
           </a:p>
@@ -6013,14 +4587,14 @@
       </p:sp>
       <p:sp>
         <p:nvSpPr>
-          <p:cNvPr id="134" name="CustomShape 2"/>
+          <p:cNvPr id="96" name="CustomShape 2"/>
           <p:cNvSpPr/>
           <p:nvPr/>
         </p:nvSpPr>
         <p:spPr>
           <a:xfrm>
             <a:off x="450000" y="1637280"/>
-            <a:ext cx="8098920" cy="5083560"/>
+            <a:ext cx="8098560" cy="5083200"/>
           </a:xfrm>
           <a:prstGeom prst="rect">
             <a:avLst/>
@@ -6058,14 +4632,14 @@
       </p:sp>
       <p:sp>
         <p:nvSpPr>
-          <p:cNvPr id="135" name="CustomShape 3"/>
+          <p:cNvPr id="97" name="CustomShape 3"/>
           <p:cNvSpPr/>
           <p:nvPr/>
         </p:nvSpPr>
         <p:spPr>
           <a:xfrm>
             <a:off x="8421480" y="6481800"/>
-            <a:ext cx="538920" cy="536400"/>
+            <a:ext cx="538560" cy="536040"/>
           </a:xfrm>
           <a:prstGeom prst="rect">
             <a:avLst/>
@@ -6089,7 +4663,7 @@
                 <a:spcPct val="100000"/>
               </a:lnSpc>
             </a:pPr>
-            <a:fld id="{0BF850DF-2C07-4446-9779-FEACE82236C4}" type="slidenum">
+            <a:fld id="{4C97242A-77FB-4C8B-8D5B-164CF0B03228}" type="slidenum">
               <a:rPr lang="pt-BR" sz="1300" strike="noStrike">
                 <a:solidFill>
                   <a:srgbClr val="2388db"/>
@@ -6105,14 +4679,14 @@
       </p:sp>
       <p:sp>
         <p:nvSpPr>
-          <p:cNvPr id="136" name="CustomShape 4"/>
+          <p:cNvPr id="98" name="CustomShape 4"/>
           <p:cNvSpPr/>
           <p:nvPr/>
         </p:nvSpPr>
         <p:spPr>
           <a:xfrm>
             <a:off x="450000" y="1637280"/>
-            <a:ext cx="8098920" cy="5083560"/>
+            <a:ext cx="8098560" cy="5083200"/>
           </a:xfrm>
           <a:prstGeom prst="rect">
             <a:avLst/>
@@ -6155,28 +4729,7 @@
                 <a:latin typeface="Arial"/>
                 <a:ea typeface="Arial"/>
               </a:rPr>
-              <a:t>O planejamento bem feito implica diretamente na iteração;</a:t>
-            </a:r>
-            <a:endParaRPr/>
-          </a:p>
-          <a:p>
-            <a:pPr>
-              <a:lnSpc>
-                <a:spcPct val="115000"/>
-              </a:lnSpc>
-              <a:buSzPct val="75000"/>
-              <a:buFont typeface="Arial"/>
-              <a:buChar char="●"/>
-            </a:pPr>
-            <a:r>
-              <a:rPr lang="pt-BR" sz="2400" strike="noStrike">
-                <a:solidFill>
-                  <a:srgbClr val="434343"/>
-                </a:solidFill>
-                <a:latin typeface="Arial"/>
-                <a:ea typeface="Arial"/>
-              </a:rPr>
-              <a:t>Cumprir o tempo dedicado aos testes é fundamental;</a:t>
+              <a:t>Atingido as métricas de cobertura de testes exigida;</a:t>
             </a:r>
             <a:endParaRPr/>
           </a:p>
@@ -6191,6 +4744,284 @@
           <p:childTnLst>
             <p:seq>
               <p:cTn id="14" nodeType="mainSeq"/>
+              <p:prevCondLst>
+                <p:cond delay="0" evt="onPrev">
+                  <p:tgtEl>
+                    <p:sldTgt/>
+                  </p:tgtEl>
+                </p:cond>
+              </p:prevCondLst>
+              <p:nextCondLst>
+                <p:cond delay="0" evt="onNext">
+                  <p:tgtEl>
+                    <p:sldTgt/>
+                  </p:tgtEl>
+                </p:cond>
+              </p:nextCondLst>
+            </p:seq>
+          </p:childTnLst>
+        </p:cTn>
+      </p:par>
+    </p:tnLst>
+  </p:timing>
+</p:sld>
+</file>
+
+<file path=ppt/slides/slide8.xml><?xml version="1.0" encoding="utf-8"?>
+<p:sld xmlns:a="http://schemas.openxmlformats.org/drawingml/2006/main" xmlns:p="http://schemas.openxmlformats.org/presentationml/2006/main" xmlns:r="http://schemas.openxmlformats.org/officeDocument/2006/relationships">
+  <p:cSld>
+    <p:spTree>
+      <p:nvGrpSpPr>
+        <p:cNvPr id="1" name=""/>
+        <p:cNvGrpSpPr/>
+        <p:nvPr/>
+      </p:nvGrpSpPr>
+      <p:grpSpPr>
+        <a:xfrm>
+          <a:off x="0" y="0"/>
+          <a:ext cx="0" cy="0"/>
+          <a:chOff x="0" y="0"/>
+          <a:chExt cx="0" cy="0"/>
+        </a:xfrm>
+      </p:grpSpPr>
+      <p:sp>
+        <p:nvSpPr>
+          <p:cNvPr id="99" name="CustomShape 1"/>
+          <p:cNvSpPr/>
+          <p:nvPr/>
+        </p:nvSpPr>
+        <p:spPr>
+          <a:xfrm>
+            <a:off x="450000" y="280800"/>
+            <a:ext cx="8098560" cy="1168920"/>
+          </a:xfrm>
+          <a:prstGeom prst="rect">
+            <a:avLst/>
+          </a:prstGeom>
+          <a:noFill/>
+          <a:ln>
+            <a:noFill/>
+          </a:ln>
+        </p:spPr>
+        <p:style>
+          <a:lnRef idx="0"/>
+          <a:fillRef idx="0"/>
+          <a:effectRef idx="0"/>
+          <a:fontRef idx="minor"/>
+        </p:style>
+        <p:txBody>
+          <a:bodyPr lIns="90000" rIns="90000" tIns="91440" bIns="91440" anchor="b"/>
+          <a:p>
+            <a:pPr>
+              <a:lnSpc>
+                <a:spcPct val="100000"/>
+              </a:lnSpc>
+            </a:pPr>
+            <a:r>
+              <a:rPr b="1" lang="pt-BR" sz="3600" strike="noStrike">
+                <a:solidFill>
+                  <a:srgbClr val="ffffff"/>
+                </a:solidFill>
+                <a:latin typeface="Arial"/>
+                <a:ea typeface="Arial"/>
+              </a:rPr>
+              <a:t>Lições aprendidas durante a iteração</a:t>
+            </a:r>
+            <a:endParaRPr/>
+          </a:p>
+        </p:txBody>
+      </p:sp>
+      <p:sp>
+        <p:nvSpPr>
+          <p:cNvPr id="100" name="CustomShape 2"/>
+          <p:cNvSpPr/>
+          <p:nvPr/>
+        </p:nvSpPr>
+        <p:spPr>
+          <a:xfrm>
+            <a:off x="450000" y="1637280"/>
+            <a:ext cx="8098560" cy="5083200"/>
+          </a:xfrm>
+          <a:prstGeom prst="rect">
+            <a:avLst/>
+          </a:prstGeom>
+          <a:noFill/>
+          <a:ln>
+            <a:noFill/>
+          </a:ln>
+        </p:spPr>
+        <p:style>
+          <a:lnRef idx="0"/>
+          <a:fillRef idx="0"/>
+          <a:effectRef idx="0"/>
+          <a:fontRef idx="minor"/>
+        </p:style>
+        <p:txBody>
+          <a:bodyPr lIns="90000" rIns="90000" tIns="91440" bIns="91440"/>
+          <a:p>
+            <a:pPr>
+              <a:lnSpc>
+                <a:spcPct val="100000"/>
+              </a:lnSpc>
+            </a:pPr>
+            <a:endParaRPr/>
+          </a:p>
+          <a:p>
+            <a:pPr>
+              <a:lnSpc>
+                <a:spcPct val="115000"/>
+              </a:lnSpc>
+            </a:pPr>
+            <a:endParaRPr/>
+          </a:p>
+        </p:txBody>
+      </p:sp>
+      <p:sp>
+        <p:nvSpPr>
+          <p:cNvPr id="101" name="CustomShape 3"/>
+          <p:cNvSpPr/>
+          <p:nvPr/>
+        </p:nvSpPr>
+        <p:spPr>
+          <a:xfrm>
+            <a:off x="8421480" y="6481800"/>
+            <a:ext cx="538560" cy="536040"/>
+          </a:xfrm>
+          <a:prstGeom prst="rect">
+            <a:avLst/>
+          </a:prstGeom>
+          <a:noFill/>
+          <a:ln>
+            <a:noFill/>
+          </a:ln>
+        </p:spPr>
+        <p:style>
+          <a:lnRef idx="0"/>
+          <a:fillRef idx="0"/>
+          <a:effectRef idx="0"/>
+          <a:fontRef idx="minor"/>
+        </p:style>
+        <p:txBody>
+          <a:bodyPr lIns="90000" rIns="90000" tIns="91440" bIns="91440" anchor="ctr"/>
+          <a:p>
+            <a:pPr algn="r">
+              <a:lnSpc>
+                <a:spcPct val="100000"/>
+              </a:lnSpc>
+            </a:pPr>
+            <a:fld id="{8DF250AA-A26A-40CA-AA4E-33329BA5485F}" type="slidenum">
+              <a:rPr lang="pt-BR" sz="1300" strike="noStrike">
+                <a:solidFill>
+                  <a:srgbClr val="2388db"/>
+                </a:solidFill>
+                <a:latin typeface="Arial"/>
+                <a:ea typeface="Arial"/>
+              </a:rPr>
+              <a:t>&lt;number&gt;</a:t>
+            </a:fld>
+            <a:endParaRPr/>
+          </a:p>
+        </p:txBody>
+      </p:sp>
+      <p:sp>
+        <p:nvSpPr>
+          <p:cNvPr id="102" name="CustomShape 4"/>
+          <p:cNvSpPr/>
+          <p:nvPr/>
+        </p:nvSpPr>
+        <p:spPr>
+          <a:xfrm>
+            <a:off x="450000" y="1637280"/>
+            <a:ext cx="8098560" cy="5083200"/>
+          </a:xfrm>
+          <a:prstGeom prst="rect">
+            <a:avLst/>
+          </a:prstGeom>
+          <a:noFill/>
+          <a:ln>
+            <a:noFill/>
+          </a:ln>
+        </p:spPr>
+        <p:style>
+          <a:lnRef idx="0"/>
+          <a:fillRef idx="0"/>
+          <a:effectRef idx="0"/>
+          <a:fontRef idx="minor"/>
+        </p:style>
+        <p:txBody>
+          <a:bodyPr lIns="90000" rIns="90000" tIns="91440" bIns="91440"/>
+          <a:p>
+            <a:pPr>
+              <a:lnSpc>
+                <a:spcPct val="100000"/>
+              </a:lnSpc>
+            </a:pPr>
+            <a:endParaRPr/>
+          </a:p>
+          <a:p>
+            <a:pPr>
+              <a:lnSpc>
+                <a:spcPct val="115000"/>
+              </a:lnSpc>
+              <a:buSzPct val="75000"/>
+              <a:buFont typeface="Arial"/>
+              <a:buChar char="●"/>
+            </a:pPr>
+            <a:r>
+              <a:rPr lang="pt-BR" sz="2400" strike="noStrike">
+                <a:solidFill>
+                  <a:srgbClr val="434343"/>
+                </a:solidFill>
+                <a:latin typeface="Arial"/>
+                <a:ea typeface="Arial"/>
+              </a:rPr>
+              <a:t>O planejamento bem feito implica diretamente na iteração;</a:t>
+            </a:r>
+            <a:endParaRPr/>
+          </a:p>
+          <a:p>
+            <a:pPr>
+              <a:lnSpc>
+                <a:spcPct val="115000"/>
+              </a:lnSpc>
+              <a:buSzPct val="75000"/>
+              <a:buFont typeface="Arial"/>
+              <a:buChar char="●"/>
+            </a:pPr>
+            <a:r>
+              <a:rPr lang="pt-BR" sz="2400" strike="noStrike">
+                <a:solidFill>
+                  <a:srgbClr val="434343"/>
+                </a:solidFill>
+                <a:latin typeface="Arial"/>
+                <a:ea typeface="Arial"/>
+              </a:rPr>
+              <a:t>Cumprir o tempo dedicado aos testes é fundamental;</a:t>
+            </a:r>
+            <a:endParaRPr/>
+          </a:p>
+          <a:p>
+            <a:pPr>
+              <a:lnSpc>
+                <a:spcPct val="115000"/>
+              </a:lnSpc>
+              <a:buSzPct val="75000"/>
+              <a:buFont typeface="Arial"/>
+              <a:buChar char="●"/>
+            </a:pPr>
+            <a:endParaRPr/>
+          </a:p>
+        </p:txBody>
+      </p:sp>
+    </p:spTree>
+  </p:cSld>
+  <p:timing>
+    <p:tnLst>
+      <p:par>
+        <p:cTn id="15" dur="indefinite" restart="never" nodeType="tmRoot">
+          <p:childTnLst>
+            <p:seq>
+              <p:cTn id="16" nodeType="mainSeq"/>
               <p:prevCondLst>
                 <p:cond delay="0" evt="onPrev">
                   <p:tgtEl>
@@ -6658,227 +5489,4 @@
     </a:fmtScheme>
   </a:themeElements>
 </a:theme>
-</file>
-
-<file path=ppt/theme/theme3.xml><?xml version="1.0" encoding="utf-8"?>
-<a:theme xmlns:a="http://schemas.openxmlformats.org/drawingml/2006/main" name="Office Theme">
-  <a:themeElements>
-    <a:clrScheme name="Office">
-      <a:dk1>
-        <a:sysClr val="windowText" lastClr="000000"/>
-      </a:dk1>
-      <a:lt1>
-        <a:sysClr val="window" lastClr="FFFFFF"/>
-      </a:lt1>
-      <a:dk2>
-        <a:srgbClr val="1F497D"/>
-      </a:dk2>
-      <a:lt2>
-        <a:srgbClr val="EEECE1"/>
-      </a:lt2>
-      <a:accent1>
-        <a:srgbClr val="4F81BD"/>
-      </a:accent1>
-      <a:accent2>
-        <a:srgbClr val="C0504D"/>
-      </a:accent2>
-      <a:accent3>
-        <a:srgbClr val="9BBB59"/>
-      </a:accent3>
-      <a:accent4>
-        <a:srgbClr val="8064A2"/>
-      </a:accent4>
-      <a:accent5>
-        <a:srgbClr val="4BACC6"/>
-      </a:accent5>
-      <a:accent6>
-        <a:srgbClr val="F79646"/>
-      </a:accent6>
-      <a:hlink>
-        <a:srgbClr val="0000FF"/>
-      </a:hlink>
-      <a:folHlink>
-        <a:srgbClr val="800080"/>
-      </a:folHlink>
-    </a:clrScheme>
-    <a:fontScheme name="Office">
-      <a:majorFont>
-        <a:latin typeface="Arial"/>
-        <a:ea typeface="DejaVu Sans"/>
-        <a:cs typeface="DejaVu Sans"/>
-      </a:majorFont>
-      <a:minorFont>
-        <a:latin typeface="Arial"/>
-        <a:ea typeface="DejaVu Sans"/>
-        <a:cs typeface="DejaVu Sans"/>
-      </a:minorFont>
-    </a:fontScheme>
-    <a:fmtScheme name="Office">
-      <a:fillStyleLst>
-        <a:solidFill>
-          <a:schemeClr val="phClr"/>
-        </a:solidFill>
-        <a:gradFill rotWithShape="1">
-          <a:gsLst>
-            <a:gs pos="0">
-              <a:schemeClr val="phClr">
-                <a:tint val="50000"/>
-                <a:satMod val="300000"/>
-              </a:schemeClr>
-            </a:gs>
-            <a:gs pos="35000">
-              <a:schemeClr val="phClr">
-                <a:tint val="37000"/>
-                <a:satMod val="300000"/>
-              </a:schemeClr>
-            </a:gs>
-            <a:gs pos="100000">
-              <a:schemeClr val="phClr">
-                <a:tint val="15000"/>
-                <a:satMod val="350000"/>
-              </a:schemeClr>
-            </a:gs>
-          </a:gsLst>
-          <a:lin ang="16200000" scaled="1"/>
-        </a:gradFill>
-        <a:gradFill rotWithShape="1">
-          <a:gsLst>
-            <a:gs pos="0">
-              <a:schemeClr val="phClr">
-                <a:shade val="51000"/>
-                <a:satMod val="130000"/>
-              </a:schemeClr>
-            </a:gs>
-            <a:gs pos="80000">
-              <a:schemeClr val="phClr">
-                <a:shade val="93000"/>
-                <a:satMod val="130000"/>
-              </a:schemeClr>
-            </a:gs>
-            <a:gs pos="100000">
-              <a:schemeClr val="phClr">
-                <a:shade val="94000"/>
-                <a:satMod val="135000"/>
-              </a:schemeClr>
-            </a:gs>
-          </a:gsLst>
-          <a:lin ang="16200000" scaled="0"/>
-        </a:gradFill>
-      </a:fillStyleLst>
-      <a:lnStyleLst>
-        <a:ln w="9525" cap="flat" cmpd="sng" algn="ctr">
-          <a:solidFill>
-            <a:schemeClr val="phClr">
-              <a:shade val="95000"/>
-              <a:satMod val="105000"/>
-            </a:schemeClr>
-          </a:solidFill>
-          <a:prstDash val="solid"/>
-        </a:ln>
-        <a:ln w="25400" cap="flat" cmpd="sng" algn="ctr">
-          <a:solidFill>
-            <a:schemeClr val="phClr"/>
-          </a:solidFill>
-          <a:prstDash val="solid"/>
-        </a:ln>
-        <a:ln w="38100" cap="flat" cmpd="sng" algn="ctr">
-          <a:solidFill>
-            <a:schemeClr val="phClr"/>
-          </a:solidFill>
-          <a:prstDash val="solid"/>
-        </a:ln>
-      </a:lnStyleLst>
-      <a:effectStyleLst>
-        <a:effectStyle>
-          <a:effectLst>
-            <a:outerShdw blurRad="40000" dist="20000" dir="5400000" rotWithShape="0">
-              <a:srgbClr val="000000">
-                <a:alpha val="38000"/>
-              </a:srgbClr>
-            </a:outerShdw>
-          </a:effectLst>
-        </a:effectStyle>
-        <a:effectStyle>
-          <a:effectLst>
-            <a:outerShdw blurRad="40000" dist="23000" dir="5400000" rotWithShape="0">
-              <a:srgbClr val="000000">
-                <a:alpha val="35000"/>
-              </a:srgbClr>
-            </a:outerShdw>
-          </a:effectLst>
-        </a:effectStyle>
-        <a:effectStyle>
-          <a:effectLst>
-            <a:outerShdw blurRad="40000" dist="23000" dir="5400000" rotWithShape="0">
-              <a:srgbClr val="000000">
-                <a:alpha val="35000"/>
-              </a:srgbClr>
-            </a:outerShdw>
-          </a:effectLst>
-          <a:scene3d>
-            <a:camera prst="orthographicFront">
-              <a:rot lat="0" lon="0" rev="0"/>
-            </a:camera>
-            <a:lightRig rig="threePt" dir="t">
-              <a:rot lat="0" lon="0" rev="1200000"/>
-            </a:lightRig>
-          </a:scene3d>
-          <a:sp3d>
-            <a:bevelT w="63500" h="25400"/>
-          </a:sp3d>
-        </a:effectStyle>
-      </a:effectStyleLst>
-      <a:bgFillStyleLst>
-        <a:solidFill>
-          <a:schemeClr val="phClr"/>
-        </a:solidFill>
-        <a:gradFill rotWithShape="1">
-          <a:gsLst>
-            <a:gs pos="0">
-              <a:schemeClr val="phClr">
-                <a:tint val="40000"/>
-                <a:satMod val="350000"/>
-              </a:schemeClr>
-            </a:gs>
-            <a:gs pos="40000">
-              <a:schemeClr val="phClr">
-                <a:tint val="45000"/>
-                <a:shade val="99000"/>
-                <a:satMod val="350000"/>
-              </a:schemeClr>
-            </a:gs>
-            <a:gs pos="100000">
-              <a:schemeClr val="phClr">
-                <a:shade val="20000"/>
-                <a:satMod val="255000"/>
-              </a:schemeClr>
-            </a:gs>
-          </a:gsLst>
-          <a:path path="circle">
-            <a:fillToRect l="50000" t="-80000" r="50000" b="180000"/>
-          </a:path>
-        </a:gradFill>
-        <a:gradFill rotWithShape="1">
-          <a:gsLst>
-            <a:gs pos="0">
-              <a:schemeClr val="phClr">
-                <a:tint val="80000"/>
-                <a:satMod val="300000"/>
-              </a:schemeClr>
-            </a:gs>
-            <a:gs pos="100000">
-              <a:schemeClr val="phClr">
-                <a:shade val="30000"/>
-                <a:satMod val="200000"/>
-              </a:schemeClr>
-            </a:gs>
-          </a:gsLst>
-          <a:path path="circle">
-            <a:fillToRect l="50000" t="50000" r="50000" b="50000"/>
-          </a:path>
-        </a:gradFill>
-      </a:bgFillStyleLst>
-    </a:fmtScheme>
-  </a:themeElements>
-</a:theme>
 </file>